--- a/presentations/pdis2.pptx
+++ b/presentations/pdis2.pptx
@@ -5,20 +5,22 @@
     <p:sldMasterId id="2147483648" r:id="rId1"/>
   </p:sldMasterIdLst>
   <p:notesMasterIdLst>
-    <p:notesMasterId r:id="rId13"/>
+    <p:notesMasterId r:id="rId15"/>
   </p:notesMasterIdLst>
   <p:sldIdLst>
     <p:sldId id="256" r:id="rId2"/>
     <p:sldId id="257" r:id="rId3"/>
-    <p:sldId id="259" r:id="rId4"/>
-    <p:sldId id="269" r:id="rId5"/>
-    <p:sldId id="261" r:id="rId6"/>
-    <p:sldId id="268" r:id="rId7"/>
-    <p:sldId id="262" r:id="rId8"/>
-    <p:sldId id="263" r:id="rId9"/>
-    <p:sldId id="264" r:id="rId10"/>
-    <p:sldId id="270" r:id="rId11"/>
-    <p:sldId id="265" r:id="rId12"/>
+    <p:sldId id="272" r:id="rId4"/>
+    <p:sldId id="259" r:id="rId5"/>
+    <p:sldId id="269" r:id="rId6"/>
+    <p:sldId id="261" r:id="rId7"/>
+    <p:sldId id="268" r:id="rId8"/>
+    <p:sldId id="262" r:id="rId9"/>
+    <p:sldId id="271" r:id="rId10"/>
+    <p:sldId id="263" r:id="rId11"/>
+    <p:sldId id="264" r:id="rId12"/>
+    <p:sldId id="270" r:id="rId13"/>
+    <p:sldId id="265" r:id="rId14"/>
   </p:sldIdLst>
   <p:sldSz cx="9144000" cy="6858000" type="screen4x3"/>
   <p:notesSz cx="6858000" cy="9144000"/>
@@ -203,7 +205,7 @@
             <a:fld id="{CFCF6AD8-7A09-4100-B9D8-1AE70CE17931}" type="datetimeFigureOut">
               <a:rPr lang="en-US" smtClean="0"/>
               <a:pPr/>
-              <a:t>7/12/2010</a:t>
+              <a:t>7/13/2010</a:t>
             </a:fld>
             <a:endParaRPr lang="en-US"/>
           </a:p>
@@ -515,36 +517,6 @@
           </a:bodyPr>
           <a:lstStyle/>
           <a:p>
-            <a:r>
-              <a:rPr lang="pt-PT" dirty="0" smtClean="0"/>
-              <a:t>Frameworks</a:t>
-            </a:r>
-          </a:p>
-          <a:p>
-            <a:r>
-              <a:rPr lang="pt-PT" dirty="0" smtClean="0"/>
-              <a:t>Metaprogramming</a:t>
-            </a:r>
-          </a:p>
-          <a:p>
-            <a:r>
-              <a:rPr lang="pt-PT" baseline="0" dirty="0" smtClean="0"/>
-              <a:t>Iterative development &amp; </a:t>
-            </a:r>
-            <a:r>
-              <a:rPr lang="pt-PT" dirty="0" smtClean="0"/>
-              <a:t>Refactoring</a:t>
-            </a:r>
-            <a:r>
-              <a:rPr lang="pt-PT" baseline="0" dirty="0" smtClean="0"/>
-              <a:t> </a:t>
-            </a:r>
-          </a:p>
-          <a:p>
-            <a:r>
-              <a:rPr lang="pt-PT" baseline="0" dirty="0" smtClean="0"/>
-              <a:t>DSLs</a:t>
-            </a:r>
             <a:endParaRPr lang="en-US" dirty="0"/>
           </a:p>
         </p:txBody>
@@ -567,7 +539,7 @@
             <a:fld id="{FFF7D76E-A8BA-4CEC-B928-C6E76C14B19A}" type="slidenum">
               <a:rPr lang="en-US" smtClean="0"/>
               <a:pPr/>
-              <a:t>3</a:t>
+              <a:t>4</a:t>
             </a:fld>
             <a:endParaRPr lang="en-US"/>
           </a:p>
@@ -637,22 +609,6 @@
               <a:rPr lang="pt-PT" dirty="0" smtClean="0"/>
               <a:t>Metaprogramming</a:t>
             </a:r>
-          </a:p>
-          <a:p>
-            <a:r>
-              <a:rPr lang="pt-PT" baseline="0" dirty="0" smtClean="0"/>
-              <a:t>Iterative development &amp; </a:t>
-            </a:r>
-            <a:r>
-              <a:rPr lang="pt-PT" dirty="0" smtClean="0"/>
-              <a:t>Refactoring</a:t>
-            </a:r>
-            <a:r>
-              <a:rPr lang="pt-PT" baseline="0" dirty="0" smtClean="0"/>
-              <a:t> </a:t>
-            </a:r>
-          </a:p>
-          <a:p>
             <a:r>
               <a:rPr lang="pt-PT" baseline="0" dirty="0" smtClean="0"/>
               <a:t>DSLs</a:t>
@@ -679,7 +635,7 @@
             <a:fld id="{FFF7D76E-A8BA-4CEC-B928-C6E76C14B19A}" type="slidenum">
               <a:rPr lang="en-US" smtClean="0"/>
               <a:pPr/>
-              <a:t>4</a:t>
+              <a:t>5</a:t>
             </a:fld>
             <a:endParaRPr lang="en-US"/>
           </a:p>
@@ -761,7 +717,106 @@
             <a:fld id="{FFF7D76E-A8BA-4CEC-B928-C6E76C14B19A}" type="slidenum">
               <a:rPr lang="en-US" smtClean="0"/>
               <a:pPr/>
-              <a:t>5</a:t>
+              <a:t>6</a:t>
+            </a:fld>
+            <a:endParaRPr lang="en-US"/>
+          </a:p>
+        </p:txBody>
+      </p:sp>
+    </p:spTree>
+  </p:cSld>
+  <p:clrMapOvr>
+    <a:masterClrMapping/>
+  </p:clrMapOvr>
+</p:notes>
+</file>
+
+<file path=ppt/notesSlides/notesSlide4.xml><?xml version="1.0" encoding="utf-8"?>
+<p:notes xmlns:a="http://schemas.openxmlformats.org/drawingml/2006/main" xmlns:r="http://schemas.openxmlformats.org/officeDocument/2006/relationships" xmlns:p="http://schemas.openxmlformats.org/presentationml/2006/main">
+  <p:cSld>
+    <p:spTree>
+      <p:nvGrpSpPr>
+        <p:cNvPr id="1" name=""/>
+        <p:cNvGrpSpPr/>
+        <p:nvPr/>
+      </p:nvGrpSpPr>
+      <p:grpSpPr>
+        <a:xfrm>
+          <a:off x="0" y="0"/>
+          <a:ext cx="0" cy="0"/>
+          <a:chOff x="0" y="0"/>
+          <a:chExt cx="0" cy="0"/>
+        </a:xfrm>
+      </p:grpSpPr>
+      <p:sp>
+        <p:nvSpPr>
+          <p:cNvPr id="2" name="Slide Image Placeholder 1"/>
+          <p:cNvSpPr>
+            <a:spLocks noGrp="1" noRot="1" noChangeAspect="1"/>
+          </p:cNvSpPr>
+          <p:nvPr>
+            <p:ph type="sldImg"/>
+          </p:nvPr>
+        </p:nvSpPr>
+        <p:spPr/>
+      </p:sp>
+      <p:sp>
+        <p:nvSpPr>
+          <p:cNvPr id="3" name="Notes Placeholder 2"/>
+          <p:cNvSpPr>
+            <a:spLocks noGrp="1"/>
+          </p:cNvSpPr>
+          <p:nvPr>
+            <p:ph type="body" idx="1"/>
+          </p:nvPr>
+        </p:nvSpPr>
+        <p:spPr/>
+        <p:txBody>
+          <a:bodyPr>
+            <a:normAutofit/>
+          </a:bodyPr>
+          <a:lstStyle/>
+          <a:p>
+            <a:r>
+              <a:rPr lang="pt-PT" dirty="0" smtClean="0"/>
+              <a:t>Lesser</a:t>
+            </a:r>
+            <a:r>
+              <a:rPr lang="pt-PT" baseline="0" dirty="0" smtClean="0"/>
+              <a:t> objectives</a:t>
+            </a:r>
+          </a:p>
+          <a:p>
+            <a:endParaRPr lang="pt-PT" baseline="0" dirty="0" smtClean="0"/>
+          </a:p>
+          <a:p>
+            <a:r>
+              <a:rPr lang="pt-PT" baseline="0" dirty="0" smtClean="0"/>
+              <a:t>Study AOM architectures and inherent patterns</a:t>
+            </a:r>
+            <a:endParaRPr lang="en-US" dirty="0"/>
+          </a:p>
+        </p:txBody>
+      </p:sp>
+      <p:sp>
+        <p:nvSpPr>
+          <p:cNvPr id="4" name="Slide Number Placeholder 3"/>
+          <p:cNvSpPr>
+            <a:spLocks noGrp="1"/>
+          </p:cNvSpPr>
+          <p:nvPr>
+            <p:ph type="sldNum" sz="quarter" idx="10"/>
+          </p:nvPr>
+        </p:nvSpPr>
+        <p:spPr/>
+        <p:txBody>
+          <a:bodyPr/>
+          <a:lstStyle/>
+          <a:p>
+            <a:fld id="{FFF7D76E-A8BA-4CEC-B928-C6E76C14B19A}" type="slidenum">
+              <a:rPr lang="en-US" smtClean="0"/>
+              <a:pPr/>
+              <a:t>9</a:t>
             </a:fld>
             <a:endParaRPr lang="en-US"/>
           </a:p>
@@ -957,7 +1012,7 @@
             <a:fld id="{D152DF54-25FE-4726-A2C4-A49E5133F562}" type="datetime1">
               <a:rPr lang="en-US" smtClean="0"/>
               <a:pPr/>
-              <a:t>7/12/2010</a:t>
+              <a:t>7/13/2010</a:t>
             </a:fld>
             <a:endParaRPr lang="en-US"/>
           </a:p>
@@ -1124,7 +1179,7 @@
             <a:fld id="{FBC3CF1C-1A02-4F3A-B54C-A99E00D892E7}" type="datetime1">
               <a:rPr lang="en-US" smtClean="0"/>
               <a:pPr/>
-              <a:t>7/12/2010</a:t>
+              <a:t>7/13/2010</a:t>
             </a:fld>
             <a:endParaRPr lang="en-US"/>
           </a:p>
@@ -1301,7 +1356,7 @@
             <a:fld id="{E6DC7923-D324-4BC8-9BF7-BAFC14B0206A}" type="datetime1">
               <a:rPr lang="en-US" smtClean="0"/>
               <a:pPr/>
-              <a:t>7/12/2010</a:t>
+              <a:t>7/13/2010</a:t>
             </a:fld>
             <a:endParaRPr lang="en-US"/>
           </a:p>
@@ -1509,7 +1564,7 @@
             <a:fld id="{44A65452-C42D-4071-9AFC-FE25FA090C9C}" type="datetime1">
               <a:rPr lang="en-US" smtClean="0"/>
               <a:pPr/>
-              <a:t>7/12/2010</a:t>
+              <a:t>7/13/2010</a:t>
             </a:fld>
             <a:endParaRPr lang="en-US"/>
           </a:p>
@@ -1762,7 +1817,7 @@
             <a:fld id="{0F743A9E-C184-481E-87BD-0F0D56047404}" type="datetime1">
               <a:rPr lang="en-US" smtClean="0"/>
               <a:pPr/>
-              <a:t>7/12/2010</a:t>
+              <a:t>7/13/2010</a:t>
             </a:fld>
             <a:endParaRPr lang="en-US"/>
           </a:p>
@@ -2047,7 +2102,7 @@
             <a:fld id="{974A8010-2A62-4C06-9569-C5481F98A9B8}" type="datetime1">
               <a:rPr lang="en-US" smtClean="0"/>
               <a:pPr/>
-              <a:t>7/12/2010</a:t>
+              <a:t>7/13/2010</a:t>
             </a:fld>
             <a:endParaRPr lang="en-US"/>
           </a:p>
@@ -2466,7 +2521,7 @@
             <a:fld id="{6382FBE8-0209-4CDC-8BB9-0E743243CA23}" type="datetime1">
               <a:rPr lang="en-US" smtClean="0"/>
               <a:pPr/>
-              <a:t>7/12/2010</a:t>
+              <a:t>7/13/2010</a:t>
             </a:fld>
             <a:endParaRPr lang="en-US"/>
           </a:p>
@@ -2581,7 +2636,7 @@
             <a:fld id="{979EA3E0-2703-4015-99E8-D9C11011A436}" type="datetime1">
               <a:rPr lang="en-US" smtClean="0"/>
               <a:pPr/>
-              <a:t>7/12/2010</a:t>
+              <a:t>7/13/2010</a:t>
             </a:fld>
             <a:endParaRPr lang="en-US"/>
           </a:p>
@@ -2673,7 +2728,7 @@
             <a:fld id="{BDEAB48B-CDE6-44A6-8EE4-B51DA18DCC06}" type="datetime1">
               <a:rPr lang="en-US" smtClean="0"/>
               <a:pPr/>
-              <a:t>7/12/2010</a:t>
+              <a:t>7/13/2010</a:t>
             </a:fld>
             <a:endParaRPr lang="en-US"/>
           </a:p>
@@ -2947,7 +3002,7 @@
             <a:fld id="{A05EB600-233D-4993-9A0C-A734F7C6002E}" type="datetime1">
               <a:rPr lang="en-US" smtClean="0"/>
               <a:pPr/>
-              <a:t>7/12/2010</a:t>
+              <a:t>7/13/2010</a:t>
             </a:fld>
             <a:endParaRPr lang="en-US"/>
           </a:p>
@@ -3197,7 +3252,7 @@
             <a:fld id="{C5A2777C-3BAD-4973-8F82-C580DE89C960}" type="datetime1">
               <a:rPr lang="en-US" smtClean="0"/>
               <a:pPr/>
-              <a:t>7/12/2010</a:t>
+              <a:t>7/13/2010</a:t>
             </a:fld>
             <a:endParaRPr lang="en-US"/>
           </a:p>
@@ -3407,7 +3462,7 @@
             <a:fld id="{F818FC3B-9732-4FFA-B46E-00DD30FA6554}" type="datetime1">
               <a:rPr lang="en-US" smtClean="0"/>
               <a:pPr/>
-              <a:t>7/12/2010</a:t>
+              <a:t>7/13/2010</a:t>
             </a:fld>
             <a:endParaRPr lang="en-US"/>
           </a:p>
@@ -4027,24 +4082,7 @@
                   </a:outerShdw>
                 </a:effectLst>
               </a:rPr>
-              <a:t>Second Supervisor </a:t>
-            </a:r>
-            <a:r>
-              <a:rPr lang="pt-PT" dirty="0" smtClean="0">
-                <a:solidFill>
-                  <a:schemeClr val="bg1">
-                    <a:lumMod val="75000"/>
-                  </a:schemeClr>
-                </a:solidFill>
-                <a:effectLst>
-                  <a:outerShdw blurRad="38100" dist="38100" dir="2700000" algn="tl">
-                    <a:srgbClr val="000000">
-                      <a:alpha val="43137"/>
-                    </a:srgbClr>
-                  </a:outerShdw>
-                </a:effectLst>
-              </a:rPr>
-              <a:t>– Hugo Ferreira</a:t>
+              <a:t>Second Supervisor – Hugo Ferreira</a:t>
             </a:r>
           </a:p>
         </p:txBody>
@@ -4098,7 +4136,51 @@
           <a:p>
             <a:r>
               <a:rPr lang="pt-PT" dirty="0" smtClean="0"/>
-              <a:t>Thesis Work Plan</a:t>
+              <a:t>Case-study: escolinhas.pt</a:t>
+            </a:r>
+            <a:endParaRPr lang="en-US" dirty="0"/>
+          </a:p>
+        </p:txBody>
+      </p:sp>
+      <p:sp>
+        <p:nvSpPr>
+          <p:cNvPr id="3" name="Content Placeholder 2"/>
+          <p:cNvSpPr>
+            <a:spLocks noGrp="1"/>
+          </p:cNvSpPr>
+          <p:nvPr>
+            <p:ph idx="1"/>
+          </p:nvPr>
+        </p:nvSpPr>
+        <p:spPr/>
+        <p:txBody>
+          <a:bodyPr>
+            <a:normAutofit/>
+          </a:bodyPr>
+          <a:lstStyle/>
+          <a:p>
+            <a:r>
+              <a:rPr lang="pt-PT" dirty="0" smtClean="0"/>
+              <a:t>How to give better tools to teachers?</a:t>
+            </a:r>
+          </a:p>
+          <a:p>
+            <a:pPr lvl="1"/>
+            <a:r>
+              <a:rPr lang="pt-PT" dirty="0" smtClean="0"/>
+              <a:t>Let them build the tools they need!</a:t>
+            </a:r>
+          </a:p>
+          <a:p>
+            <a:r>
+              <a:rPr lang="pt-PT" dirty="0" smtClean="0"/>
+              <a:t>A specific architecture is required to allow end-users to model their own systems</a:t>
+            </a:r>
+          </a:p>
+          <a:p>
+            <a:r>
+              <a:rPr lang="pt-PT" dirty="0" smtClean="0"/>
+              <a:t>AOM and Oghma provide this missing functionality</a:t>
             </a:r>
             <a:endParaRPr lang="en-US" dirty="0"/>
           </a:p>
@@ -4123,6 +4205,225 @@
               <a:rPr lang="en-US" smtClean="0"/>
               <a:pPr/>
               <a:t>10</a:t>
+            </a:fld>
+            <a:endParaRPr lang="en-US"/>
+          </a:p>
+        </p:txBody>
+      </p:sp>
+    </p:spTree>
+  </p:cSld>
+  <p:clrMapOvr>
+    <a:masterClrMapping/>
+  </p:clrMapOvr>
+  <p:timing>
+    <p:tnLst>
+      <p:par>
+        <p:cTn id="1" dur="indefinite" restart="never" nodeType="tmRoot"/>
+      </p:par>
+    </p:tnLst>
+  </p:timing>
+</p:sld>
+</file>
+
+<file path=ppt/slides/slide11.xml><?xml version="1.0" encoding="utf-8"?>
+<p:sld xmlns:a="http://schemas.openxmlformats.org/drawingml/2006/main" xmlns:r="http://schemas.openxmlformats.org/officeDocument/2006/relationships" xmlns:p="http://schemas.openxmlformats.org/presentationml/2006/main">
+  <p:cSld>
+    <p:spTree>
+      <p:nvGrpSpPr>
+        <p:cNvPr id="1" name=""/>
+        <p:cNvGrpSpPr/>
+        <p:nvPr/>
+      </p:nvGrpSpPr>
+      <p:grpSpPr>
+        <a:xfrm>
+          <a:off x="0" y="0"/>
+          <a:ext cx="0" cy="0"/>
+          <a:chOff x="0" y="0"/>
+          <a:chExt cx="0" cy="0"/>
+        </a:xfrm>
+      </p:grpSpPr>
+      <p:sp>
+        <p:nvSpPr>
+          <p:cNvPr id="2" name="Title 1"/>
+          <p:cNvSpPr>
+            <a:spLocks noGrp="1"/>
+          </p:cNvSpPr>
+          <p:nvPr>
+            <p:ph type="title"/>
+          </p:nvPr>
+        </p:nvSpPr>
+        <p:spPr/>
+        <p:txBody>
+          <a:bodyPr/>
+          <a:lstStyle/>
+          <a:p>
+            <a:r>
+              <a:rPr lang="pt-PT" dirty="0" smtClean="0"/>
+              <a:t>Past Work</a:t>
+            </a:r>
+            <a:endParaRPr lang="en-US" dirty="0"/>
+          </a:p>
+        </p:txBody>
+      </p:sp>
+      <p:sp>
+        <p:nvSpPr>
+          <p:cNvPr id="3" name="Content Placeholder 2"/>
+          <p:cNvSpPr>
+            <a:spLocks noGrp="1"/>
+          </p:cNvSpPr>
+          <p:nvPr>
+            <p:ph idx="1"/>
+          </p:nvPr>
+        </p:nvSpPr>
+        <p:spPr/>
+        <p:txBody>
+          <a:bodyPr/>
+          <a:lstStyle/>
+          <a:p>
+            <a:pPr>
+              <a:lnSpc>
+                <a:spcPct val="150000"/>
+              </a:lnSpc>
+            </a:pPr>
+            <a:r>
+              <a:rPr lang="pt-PT" dirty="0" smtClean="0"/>
+              <a:t>State of the art report</a:t>
+            </a:r>
+          </a:p>
+          <a:p>
+            <a:pPr>
+              <a:lnSpc>
+                <a:spcPct val="150000"/>
+              </a:lnSpc>
+            </a:pPr>
+            <a:r>
+              <a:rPr lang="pt-PT" dirty="0" smtClean="0"/>
+              <a:t>AOM study</a:t>
+            </a:r>
+          </a:p>
+          <a:p>
+            <a:pPr lvl="1">
+              <a:lnSpc>
+                <a:spcPct val="150000"/>
+              </a:lnSpc>
+            </a:pPr>
+            <a:r>
+              <a:rPr lang="pt-PT" dirty="0" smtClean="0"/>
+              <a:t>AOM architecture and inherent design patterns</a:t>
+            </a:r>
+          </a:p>
+          <a:p>
+            <a:pPr>
+              <a:lnSpc>
+                <a:spcPct val="150000"/>
+              </a:lnSpc>
+            </a:pPr>
+            <a:r>
+              <a:rPr lang="pt-PT" dirty="0" smtClean="0"/>
+              <a:t>Oghma framework study</a:t>
+            </a:r>
+            <a:endParaRPr lang="en-US" dirty="0"/>
+          </a:p>
+        </p:txBody>
+      </p:sp>
+      <p:sp>
+        <p:nvSpPr>
+          <p:cNvPr id="4" name="Slide Number Placeholder 3"/>
+          <p:cNvSpPr>
+            <a:spLocks noGrp="1"/>
+          </p:cNvSpPr>
+          <p:nvPr>
+            <p:ph type="sldNum" sz="quarter" idx="12"/>
+          </p:nvPr>
+        </p:nvSpPr>
+        <p:spPr/>
+        <p:txBody>
+          <a:bodyPr/>
+          <a:lstStyle/>
+          <a:p>
+            <a:fld id="{B6F15528-21DE-4FAA-801E-634DDDAF4B2B}" type="slidenum">
+              <a:rPr lang="en-US" smtClean="0"/>
+              <a:pPr/>
+              <a:t>11</a:t>
+            </a:fld>
+            <a:endParaRPr lang="en-US"/>
+          </a:p>
+        </p:txBody>
+      </p:sp>
+    </p:spTree>
+  </p:cSld>
+  <p:clrMapOvr>
+    <a:masterClrMapping/>
+  </p:clrMapOvr>
+  <p:timing>
+    <p:tnLst>
+      <p:par>
+        <p:cTn id="1" dur="indefinite" restart="never" nodeType="tmRoot"/>
+      </p:par>
+    </p:tnLst>
+  </p:timing>
+</p:sld>
+</file>
+
+<file path=ppt/slides/slide12.xml><?xml version="1.0" encoding="utf-8"?>
+<p:sld xmlns:a="http://schemas.openxmlformats.org/drawingml/2006/main" xmlns:r="http://schemas.openxmlformats.org/officeDocument/2006/relationships" xmlns:p="http://schemas.openxmlformats.org/presentationml/2006/main">
+  <p:cSld>
+    <p:spTree>
+      <p:nvGrpSpPr>
+        <p:cNvPr id="1" name=""/>
+        <p:cNvGrpSpPr/>
+        <p:nvPr/>
+      </p:nvGrpSpPr>
+      <p:grpSpPr>
+        <a:xfrm>
+          <a:off x="0" y="0"/>
+          <a:ext cx="0" cy="0"/>
+          <a:chOff x="0" y="0"/>
+          <a:chExt cx="0" cy="0"/>
+        </a:xfrm>
+      </p:grpSpPr>
+      <p:sp>
+        <p:nvSpPr>
+          <p:cNvPr id="2" name="Title 1"/>
+          <p:cNvSpPr>
+            <a:spLocks noGrp="1"/>
+          </p:cNvSpPr>
+          <p:nvPr>
+            <p:ph type="title"/>
+          </p:nvPr>
+        </p:nvSpPr>
+        <p:spPr/>
+        <p:txBody>
+          <a:bodyPr/>
+          <a:lstStyle/>
+          <a:p>
+            <a:r>
+              <a:rPr lang="pt-PT" dirty="0" smtClean="0"/>
+              <a:t>Thesis Work Plan</a:t>
+            </a:r>
+            <a:endParaRPr lang="en-US" dirty="0"/>
+          </a:p>
+        </p:txBody>
+      </p:sp>
+      <p:sp>
+        <p:nvSpPr>
+          <p:cNvPr id="4" name="Slide Number Placeholder 3"/>
+          <p:cNvSpPr>
+            <a:spLocks noGrp="1"/>
+          </p:cNvSpPr>
+          <p:nvPr>
+            <p:ph type="sldNum" sz="quarter" idx="12"/>
+          </p:nvPr>
+        </p:nvSpPr>
+        <p:spPr/>
+        <p:txBody>
+          <a:bodyPr/>
+          <a:lstStyle/>
+          <a:p>
+            <a:fld id="{B6F15528-21DE-4FAA-801E-634DDDAF4B2B}" type="slidenum">
+              <a:rPr lang="en-US" smtClean="0"/>
+              <a:pPr/>
+              <a:t>12</a:t>
             </a:fld>
             <a:endParaRPr lang="en-US"/>
           </a:p>
@@ -11693,7 +11994,7 @@
 </p:sld>
 </file>
 
-<file path=ppt/slides/slide11.xml><?xml version="1.0" encoding="utf-8"?>
+<file path=ppt/slides/slide13.xml><?xml version="1.0" encoding="utf-8"?>
 <p:sld xmlns:a="http://schemas.openxmlformats.org/drawingml/2006/main" xmlns:r="http://schemas.openxmlformats.org/officeDocument/2006/relationships" xmlns:p="http://schemas.openxmlformats.org/presentationml/2006/main">
   <p:cSld>
     <p:bg>
@@ -11793,7 +12094,7 @@
             <a:fld id="{B6F15528-21DE-4FAA-801E-634DDDAF4B2B}" type="slidenum">
               <a:rPr lang="en-US" smtClean="0"/>
               <a:pPr/>
-              <a:t>11</a:t>
+              <a:t>13</a:t>
             </a:fld>
             <a:endParaRPr lang="en-US"/>
           </a:p>
@@ -11963,35 +12264,14 @@
         </p:nvSpPr>
         <p:spPr/>
         <p:txBody>
-          <a:bodyPr>
-            <a:normAutofit fontScale="90000"/>
-          </a:bodyPr>
+          <a:bodyPr/>
           <a:lstStyle/>
           <a:p>
             <a:r>
               <a:rPr lang="pt-PT" dirty="0" smtClean="0"/>
-              <a:t>State of the Art – Adaptive System</a:t>
+              <a:t>Motivation</a:t>
             </a:r>
-            <a:br>
-              <a:rPr lang="pt-PT" dirty="0" smtClean="0"/>
-            </a:br>
-            <a:r>
-              <a:rPr lang="pt-PT" sz="3600" dirty="0" smtClean="0">
-                <a:solidFill>
-                  <a:schemeClr val="bg1">
-                    <a:lumMod val="50000"/>
-                  </a:schemeClr>
-                </a:solidFill>
-              </a:rPr>
-              <a:t>Generative Programming</a:t>
-            </a:r>
-            <a:endParaRPr lang="en-US" sz="3600" dirty="0">
-              <a:solidFill>
-                <a:schemeClr val="bg1">
-                  <a:lumMod val="50000"/>
-                </a:schemeClr>
-              </a:solidFill>
-            </a:endParaRPr>
+            <a:endParaRPr lang="en-US" dirty="0"/>
           </a:p>
         </p:txBody>
       </p:sp>
@@ -12017,7 +12297,7 @@
             </a:pPr>
             <a:r>
               <a:rPr lang="pt-PT" dirty="0" smtClean="0"/>
-              <a:t>Software product lines</a:t>
+              <a:t>How to enhance adaptive systems</a:t>
             </a:r>
           </a:p>
           <a:p>
@@ -12028,8 +12308,9 @@
             </a:pPr>
             <a:r>
               <a:rPr lang="pt-PT" dirty="0" smtClean="0"/>
-              <a:t>Model-driven engineering</a:t>
+              <a:t>Allow the end-users to tailor the system to their own needs</a:t>
             </a:r>
+            <a:endParaRPr lang="pt-PT" dirty="0" smtClean="0"/>
           </a:p>
           <a:p>
             <a:pPr>
@@ -12039,26 +12320,8 @@
             </a:pPr>
             <a:r>
               <a:rPr lang="pt-PT" dirty="0" smtClean="0"/>
-              <a:t>Frameworks</a:t>
+              <a:t>Accelerate development of highly customizable systems</a:t>
             </a:r>
-          </a:p>
-          <a:p>
-            <a:pPr lvl="1">
-              <a:lnSpc>
-                <a:spcPct val="150000"/>
-              </a:lnSpc>
-            </a:pPr>
-            <a:r>
-              <a:rPr lang="pt-PT" dirty="0" smtClean="0"/>
-              <a:t>Ruby on Rails (scaffolding)</a:t>
-            </a:r>
-          </a:p>
-          <a:p>
-            <a:pPr lvl="1">
-              <a:lnSpc>
-                <a:spcPct val="150000"/>
-              </a:lnSpc>
-            </a:pPr>
             <a:endParaRPr lang="pt-PT" dirty="0" smtClean="0"/>
           </a:p>
         </p:txBody>
@@ -12138,7 +12401,7 @@
           <a:p>
             <a:r>
               <a:rPr lang="pt-PT" dirty="0" smtClean="0"/>
-              <a:t>State of the Art – Adaptive Systems</a:t>
+              <a:t>State of the Art – Adaptive System</a:t>
             </a:r>
             <a:br>
               <a:rPr lang="pt-PT" dirty="0" smtClean="0"/>
@@ -12151,7 +12414,7 @@
                   </a:schemeClr>
                 </a:solidFill>
               </a:rPr>
-              <a:t>Meta-Architectures</a:t>
+              <a:t>Generative Programming</a:t>
             </a:r>
             <a:endParaRPr lang="en-US" sz="3600" dirty="0">
               <a:solidFill>
@@ -12185,7 +12448,7 @@
             </a:pPr>
             <a:r>
               <a:rPr lang="pt-PT" dirty="0" smtClean="0"/>
-              <a:t>Metaprogramming</a:t>
+              <a:t>Software product lines</a:t>
             </a:r>
           </a:p>
           <a:p>
@@ -12196,7 +12459,7 @@
             </a:pPr>
             <a:r>
               <a:rPr lang="pt-PT" dirty="0" smtClean="0"/>
-              <a:t>Ruby</a:t>
+              <a:t>Model-driven engineering</a:t>
             </a:r>
           </a:p>
           <a:p>
@@ -12207,8 +12470,26 @@
             </a:pPr>
             <a:r>
               <a:rPr lang="pt-PT" dirty="0" smtClean="0"/>
-              <a:t>Adaptive object-models</a:t>
+              <a:t>Frameworks</a:t>
             </a:r>
+          </a:p>
+          <a:p>
+            <a:pPr lvl="1">
+              <a:lnSpc>
+                <a:spcPct val="150000"/>
+              </a:lnSpc>
+            </a:pPr>
+            <a:r>
+              <a:rPr lang="pt-PT" dirty="0" smtClean="0"/>
+              <a:t>Ruby on Rails (scaffolding)</a:t>
+            </a:r>
+          </a:p>
+          <a:p>
+            <a:pPr lvl="1">
+              <a:lnSpc>
+                <a:spcPct val="150000"/>
+              </a:lnSpc>
+            </a:pPr>
             <a:endParaRPr lang="pt-PT" dirty="0" smtClean="0"/>
           </a:p>
         </p:txBody>
@@ -12281,14 +12562,35 @@
         </p:nvSpPr>
         <p:spPr/>
         <p:txBody>
-          <a:bodyPr/>
+          <a:bodyPr>
+            <a:normAutofit fontScale="90000"/>
+          </a:bodyPr>
           <a:lstStyle/>
           <a:p>
             <a:r>
               <a:rPr lang="pt-PT" dirty="0" smtClean="0"/>
-              <a:t>AOM</a:t>
+              <a:t>State of the Art – Adaptive Systems</a:t>
             </a:r>
-            <a:endParaRPr lang="en-US" dirty="0"/>
+            <a:br>
+              <a:rPr lang="pt-PT" dirty="0" smtClean="0"/>
+            </a:br>
+            <a:r>
+              <a:rPr lang="pt-PT" sz="3600" dirty="0" smtClean="0">
+                <a:solidFill>
+                  <a:schemeClr val="bg1">
+                    <a:lumMod val="50000"/>
+                  </a:schemeClr>
+                </a:solidFill>
+              </a:rPr>
+              <a:t>Meta-Architectures</a:t>
+            </a:r>
+            <a:endParaRPr lang="en-US" sz="3600" dirty="0">
+              <a:solidFill>
+                <a:schemeClr val="bg1">
+                  <a:lumMod val="50000"/>
+                </a:schemeClr>
+              </a:solidFill>
+            </a:endParaRPr>
           </a:p>
         </p:txBody>
       </p:sp>
@@ -12314,7 +12616,7 @@
             </a:pPr>
             <a:r>
               <a:rPr lang="pt-PT" dirty="0" smtClean="0"/>
-              <a:t>Meta-architecture design pattern</a:t>
+              <a:t>Metaprogramming</a:t>
             </a:r>
           </a:p>
           <a:p>
@@ -12325,7 +12627,7 @@
             </a:pPr>
             <a:r>
               <a:rPr lang="pt-PT" dirty="0" smtClean="0"/>
-              <a:t>A system can be configured by a domain expert using a DSL</a:t>
+              <a:t>Ruby</a:t>
             </a:r>
           </a:p>
           <a:p>
@@ -12336,7 +12638,7 @@
             </a:pPr>
             <a:r>
               <a:rPr lang="pt-PT" dirty="0" smtClean="0"/>
-              <a:t>Allows for changes to a system’s architecture in runtime</a:t>
+              <a:t>Adaptive object-models</a:t>
             </a:r>
           </a:p>
         </p:txBody>
@@ -12414,9 +12716,58 @@
           <a:p>
             <a:r>
               <a:rPr lang="pt-PT" dirty="0" smtClean="0"/>
-              <a:t>AOM Architecture</a:t>
+              <a:t>AOM</a:t>
             </a:r>
             <a:endParaRPr lang="en-US" dirty="0"/>
+          </a:p>
+        </p:txBody>
+      </p:sp>
+      <p:sp>
+        <p:nvSpPr>
+          <p:cNvPr id="3" name="Content Placeholder 2"/>
+          <p:cNvSpPr>
+            <a:spLocks noGrp="1"/>
+          </p:cNvSpPr>
+          <p:nvPr>
+            <p:ph idx="1"/>
+          </p:nvPr>
+        </p:nvSpPr>
+        <p:spPr/>
+        <p:txBody>
+          <a:bodyPr/>
+          <a:lstStyle/>
+          <a:p>
+            <a:pPr>
+              <a:lnSpc>
+                <a:spcPct val="150000"/>
+              </a:lnSpc>
+            </a:pPr>
+            <a:r>
+              <a:rPr lang="pt-PT" dirty="0" smtClean="0"/>
+              <a:t>Meta-architecture design pattern</a:t>
+            </a:r>
+          </a:p>
+          <a:p>
+            <a:pPr>
+              <a:lnSpc>
+                <a:spcPct val="150000"/>
+              </a:lnSpc>
+            </a:pPr>
+            <a:r>
+              <a:rPr lang="pt-PT" dirty="0" smtClean="0"/>
+              <a:t>A system can be configured by a domain expert using a DSL</a:t>
+            </a:r>
+          </a:p>
+          <a:p>
+            <a:pPr>
+              <a:lnSpc>
+                <a:spcPct val="150000"/>
+              </a:lnSpc>
+            </a:pPr>
+            <a:r>
+              <a:rPr lang="pt-PT" dirty="0" smtClean="0"/>
+              <a:t>Allows for changes to a system’s architecture in runtime</a:t>
+            </a:r>
           </a:p>
         </p:txBody>
       </p:sp>
@@ -12439,6 +12790,85 @@
               <a:rPr lang="en-US" smtClean="0"/>
               <a:pPr/>
               <a:t>6</a:t>
+            </a:fld>
+            <a:endParaRPr lang="en-US"/>
+          </a:p>
+        </p:txBody>
+      </p:sp>
+    </p:spTree>
+  </p:cSld>
+  <p:clrMapOvr>
+    <a:masterClrMapping/>
+  </p:clrMapOvr>
+  <p:timing>
+    <p:tnLst>
+      <p:par>
+        <p:cTn id="1" dur="indefinite" restart="never" nodeType="tmRoot"/>
+      </p:par>
+    </p:tnLst>
+  </p:timing>
+</p:sld>
+</file>
+
+<file path=ppt/slides/slide7.xml><?xml version="1.0" encoding="utf-8"?>
+<p:sld xmlns:a="http://schemas.openxmlformats.org/drawingml/2006/main" xmlns:r="http://schemas.openxmlformats.org/officeDocument/2006/relationships" xmlns:p="http://schemas.openxmlformats.org/presentationml/2006/main">
+  <p:cSld>
+    <p:spTree>
+      <p:nvGrpSpPr>
+        <p:cNvPr id="1" name=""/>
+        <p:cNvGrpSpPr/>
+        <p:nvPr/>
+      </p:nvGrpSpPr>
+      <p:grpSpPr>
+        <a:xfrm>
+          <a:off x="0" y="0"/>
+          <a:ext cx="0" cy="0"/>
+          <a:chOff x="0" y="0"/>
+          <a:chExt cx="0" cy="0"/>
+        </a:xfrm>
+      </p:grpSpPr>
+      <p:sp>
+        <p:nvSpPr>
+          <p:cNvPr id="2" name="Title 1"/>
+          <p:cNvSpPr>
+            <a:spLocks noGrp="1"/>
+          </p:cNvSpPr>
+          <p:nvPr>
+            <p:ph type="title"/>
+          </p:nvPr>
+        </p:nvSpPr>
+        <p:spPr/>
+        <p:txBody>
+          <a:bodyPr/>
+          <a:lstStyle/>
+          <a:p>
+            <a:r>
+              <a:rPr lang="pt-PT" dirty="0" smtClean="0"/>
+              <a:t>AOM Architecture</a:t>
+            </a:r>
+            <a:endParaRPr lang="en-US" dirty="0"/>
+          </a:p>
+        </p:txBody>
+      </p:sp>
+      <p:sp>
+        <p:nvSpPr>
+          <p:cNvPr id="4" name="Slide Number Placeholder 3"/>
+          <p:cNvSpPr>
+            <a:spLocks noGrp="1"/>
+          </p:cNvSpPr>
+          <p:nvPr>
+            <p:ph type="sldNum" sz="quarter" idx="12"/>
+          </p:nvPr>
+        </p:nvSpPr>
+        <p:spPr/>
+        <p:txBody>
+          <a:bodyPr/>
+          <a:lstStyle/>
+          <a:p>
+            <a:fld id="{B6F15528-21DE-4FAA-801E-634DDDAF4B2B}" type="slidenum">
+              <a:rPr lang="en-US" smtClean="0"/>
+              <a:pPr/>
+              <a:t>7</a:t>
             </a:fld>
             <a:endParaRPr lang="en-US"/>
           </a:p>
@@ -12849,144 +13279,6 @@
 </p:sld>
 </file>
 
-<file path=ppt/slides/slide7.xml><?xml version="1.0" encoding="utf-8"?>
-<p:sld xmlns:a="http://schemas.openxmlformats.org/drawingml/2006/main" xmlns:r="http://schemas.openxmlformats.org/officeDocument/2006/relationships" xmlns:p="http://schemas.openxmlformats.org/presentationml/2006/main">
-  <p:cSld>
-    <p:spTree>
-      <p:nvGrpSpPr>
-        <p:cNvPr id="1" name=""/>
-        <p:cNvGrpSpPr/>
-        <p:nvPr/>
-      </p:nvGrpSpPr>
-      <p:grpSpPr>
-        <a:xfrm>
-          <a:off x="0" y="0"/>
-          <a:ext cx="0" cy="0"/>
-          <a:chOff x="0" y="0"/>
-          <a:chExt cx="0" cy="0"/>
-        </a:xfrm>
-      </p:grpSpPr>
-      <p:sp>
-        <p:nvSpPr>
-          <p:cNvPr id="2" name="Title 1"/>
-          <p:cNvSpPr>
-            <a:spLocks noGrp="1"/>
-          </p:cNvSpPr>
-          <p:nvPr>
-            <p:ph type="title"/>
-          </p:nvPr>
-        </p:nvSpPr>
-        <p:spPr/>
-        <p:txBody>
-          <a:bodyPr/>
-          <a:lstStyle/>
-          <a:p>
-            <a:r>
-              <a:rPr lang="pt-PT" dirty="0" smtClean="0"/>
-              <a:t>Oghma</a:t>
-            </a:r>
-            <a:endParaRPr lang="en-US" dirty="0"/>
-          </a:p>
-        </p:txBody>
-      </p:sp>
-      <p:sp>
-        <p:nvSpPr>
-          <p:cNvPr id="3" name="Content Placeholder 2"/>
-          <p:cNvSpPr>
-            <a:spLocks noGrp="1"/>
-          </p:cNvSpPr>
-          <p:nvPr>
-            <p:ph idx="1"/>
-          </p:nvPr>
-        </p:nvSpPr>
-        <p:spPr/>
-        <p:txBody>
-          <a:bodyPr>
-            <a:normAutofit/>
-          </a:bodyPr>
-          <a:lstStyle/>
-          <a:p>
-            <a:pPr>
-              <a:lnSpc>
-                <a:spcPct val="150000"/>
-              </a:lnSpc>
-            </a:pPr>
-            <a:r>
-              <a:rPr lang="pt-PT" dirty="0" smtClean="0"/>
-              <a:t>AOM framework</a:t>
-            </a:r>
-          </a:p>
-          <a:p>
-            <a:pPr>
-              <a:lnSpc>
-                <a:spcPct val="150000"/>
-              </a:lnSpc>
-            </a:pPr>
-            <a:r>
-              <a:rPr lang="pt-PT" dirty="0" smtClean="0"/>
-              <a:t>Developed to answer the problems posed by the aforementioned systems</a:t>
-            </a:r>
-          </a:p>
-          <a:p>
-            <a:pPr>
-              <a:lnSpc>
-                <a:spcPct val="150000"/>
-              </a:lnSpc>
-            </a:pPr>
-            <a:r>
-              <a:rPr lang="pt-PT" dirty="0" smtClean="0"/>
-              <a:t>Allows for the easy creation of highly-customizable, dynamic information systems</a:t>
-            </a:r>
-          </a:p>
-          <a:p>
-            <a:pPr>
-              <a:lnSpc>
-                <a:spcPct val="150000"/>
-              </a:lnSpc>
-            </a:pPr>
-            <a:endParaRPr lang="en-US" dirty="0"/>
-          </a:p>
-        </p:txBody>
-      </p:sp>
-      <p:sp>
-        <p:nvSpPr>
-          <p:cNvPr id="4" name="Slide Number Placeholder 3"/>
-          <p:cNvSpPr>
-            <a:spLocks noGrp="1"/>
-          </p:cNvSpPr>
-          <p:nvPr>
-            <p:ph type="sldNum" sz="quarter" idx="12"/>
-          </p:nvPr>
-        </p:nvSpPr>
-        <p:spPr/>
-        <p:txBody>
-          <a:bodyPr/>
-          <a:lstStyle/>
-          <a:p>
-            <a:fld id="{B6F15528-21DE-4FAA-801E-634DDDAF4B2B}" type="slidenum">
-              <a:rPr lang="en-US" smtClean="0"/>
-              <a:pPr/>
-              <a:t>7</a:t>
-            </a:fld>
-            <a:endParaRPr lang="en-US"/>
-          </a:p>
-        </p:txBody>
-      </p:sp>
-    </p:spTree>
-  </p:cSld>
-  <p:clrMapOvr>
-    <a:masterClrMapping/>
-  </p:clrMapOvr>
-  <p:timing>
-    <p:tnLst>
-      <p:par>
-        <p:cTn id="1" dur="indefinite" restart="never" nodeType="tmRoot"/>
-      </p:par>
-    </p:tnLst>
-  </p:timing>
-</p:sld>
-</file>
-
 <file path=ppt/slides/slide8.xml><?xml version="1.0" encoding="utf-8"?>
 <p:sld xmlns:a="http://schemas.openxmlformats.org/drawingml/2006/main" xmlns:r="http://schemas.openxmlformats.org/officeDocument/2006/relationships" xmlns:p="http://schemas.openxmlformats.org/presentationml/2006/main">
   <p:cSld>
@@ -13021,7 +13313,7 @@
           <a:p>
             <a:r>
               <a:rPr lang="pt-PT" dirty="0" smtClean="0"/>
-              <a:t>Case-study: escolinhas.pt</a:t>
+              <a:t>Oghma</a:t>
             </a:r>
             <a:endParaRPr lang="en-US" dirty="0"/>
           </a:p>
@@ -13044,33 +13336,52 @@
           </a:bodyPr>
           <a:lstStyle/>
           <a:p>
+            <a:pPr>
+              <a:lnSpc>
+                <a:spcPct val="150000"/>
+              </a:lnSpc>
+            </a:pPr>
             <a:r>
               <a:rPr lang="pt-PT" dirty="0" smtClean="0"/>
-              <a:t>How to give better tools to teachers?</a:t>
+              <a:t>AOM framework</a:t>
             </a:r>
           </a:p>
           <a:p>
-            <a:pPr lvl="1"/>
+            <a:pPr>
+              <a:lnSpc>
+                <a:spcPct val="150000"/>
+              </a:lnSpc>
+            </a:pPr>
             <a:r>
               <a:rPr lang="pt-PT" dirty="0" smtClean="0"/>
-              <a:t>Let them build the tools they need!</a:t>
+              <a:t>Developed to answer the problems posed by the aforementioned systems</a:t>
             </a:r>
           </a:p>
           <a:p>
+            <a:pPr>
+              <a:lnSpc>
+                <a:spcPct val="150000"/>
+              </a:lnSpc>
+            </a:pPr>
             <a:r>
               <a:rPr lang="pt-PT" dirty="0" smtClean="0"/>
-              <a:t>A specific architecture is required to allow end-users to model their own systems</a:t>
-            </a:r>
-          </a:p>
-          <a:p>
-            <a:r>
-              <a:rPr lang="pt-PT" dirty="0" smtClean="0"/>
-              <a:t>AOM and Oghma provide this missing </a:t>
+              <a:t>Allows for the easy creation of highly-customizable, </a:t>
             </a:r>
             <a:r>
               <a:rPr lang="pt-PT" dirty="0" smtClean="0"/>
-              <a:t>functionality</a:t>
+              <a:t>dynamic information </a:t>
             </a:r>
+            <a:r>
+              <a:rPr lang="pt-PT" dirty="0" smtClean="0"/>
+              <a:t>systems</a:t>
+            </a:r>
+          </a:p>
+          <a:p>
+            <a:pPr>
+              <a:lnSpc>
+                <a:spcPct val="150000"/>
+              </a:lnSpc>
+            </a:pPr>
             <a:endParaRPr lang="en-US" dirty="0"/>
           </a:p>
         </p:txBody>
@@ -13148,11 +13459,7 @@
           <a:p>
             <a:r>
               <a:rPr lang="pt-PT" dirty="0" smtClean="0"/>
-              <a:t>Past </a:t>
-            </a:r>
-            <a:r>
-              <a:rPr lang="pt-PT" dirty="0" smtClean="0"/>
-              <a:t>Work</a:t>
+              <a:t>Objectives</a:t>
             </a:r>
             <a:endParaRPr lang="en-US" dirty="0"/>
           </a:p>
@@ -13170,7 +13477,9 @@
         </p:nvSpPr>
         <p:spPr/>
         <p:txBody>
-          <a:bodyPr/>
+          <a:bodyPr>
+            <a:normAutofit/>
+          </a:bodyPr>
           <a:lstStyle/>
           <a:p>
             <a:pPr>
@@ -13180,7 +13489,18 @@
             </a:pPr>
             <a:r>
               <a:rPr lang="pt-PT" dirty="0" smtClean="0"/>
-              <a:t>State of the art report</a:t>
+              <a:t>Bring the Oghma framework to a web environment</a:t>
+            </a:r>
+          </a:p>
+          <a:p>
+            <a:pPr lvl="1">
+              <a:lnSpc>
+                <a:spcPct val="150000"/>
+              </a:lnSpc>
+            </a:pPr>
+            <a:r>
+              <a:rPr lang="pt-PT" dirty="0" smtClean="0"/>
+              <a:t>Develop an interface module for web applications with the framework as engine</a:t>
             </a:r>
           </a:p>
           <a:p>
@@ -13191,39 +13511,8 @@
             </a:pPr>
             <a:r>
               <a:rPr lang="pt-PT" dirty="0" smtClean="0"/>
-              <a:t>AOM </a:t>
+              <a:t>Create a proof-of-concept application</a:t>
             </a:r>
-            <a:r>
-              <a:rPr lang="pt-PT" dirty="0" smtClean="0"/>
-              <a:t>study</a:t>
-            </a:r>
-          </a:p>
-          <a:p>
-            <a:pPr lvl="1">
-              <a:lnSpc>
-                <a:spcPct val="150000"/>
-              </a:lnSpc>
-            </a:pPr>
-            <a:r>
-              <a:rPr lang="pt-PT" dirty="0" smtClean="0"/>
-              <a:t>AOM architecture and inherent design patterns</a:t>
-            </a:r>
-          </a:p>
-          <a:p>
-            <a:pPr>
-              <a:lnSpc>
-                <a:spcPct val="150000"/>
-              </a:lnSpc>
-            </a:pPr>
-            <a:r>
-              <a:rPr lang="pt-PT" dirty="0" smtClean="0"/>
-              <a:t>Oghma framework </a:t>
-            </a:r>
-            <a:r>
-              <a:rPr lang="pt-PT" dirty="0" smtClean="0"/>
-              <a:t>study</a:t>
-            </a:r>
-            <a:endParaRPr lang="en-US" dirty="0"/>
           </a:p>
         </p:txBody>
       </p:sp>

--- a/presentations/pdis2.pptx
+++ b/presentations/pdis2.pptx
@@ -5,7 +5,7 @@
     <p:sldMasterId id="2147483648" r:id="rId1"/>
   </p:sldMasterIdLst>
   <p:notesMasterIdLst>
-    <p:notesMasterId r:id="rId15"/>
+    <p:notesMasterId r:id="rId14"/>
   </p:notesMasterIdLst>
   <p:sldIdLst>
     <p:sldId id="256" r:id="rId2"/>
@@ -18,9 +18,8 @@
     <p:sldId id="262" r:id="rId9"/>
     <p:sldId id="271" r:id="rId10"/>
     <p:sldId id="263" r:id="rId11"/>
-    <p:sldId id="264" r:id="rId12"/>
-    <p:sldId id="270" r:id="rId13"/>
-    <p:sldId id="265" r:id="rId14"/>
+    <p:sldId id="270" r:id="rId12"/>
+    <p:sldId id="265" r:id="rId13"/>
   </p:sldIdLst>
   <p:sldSz cx="9144000" cy="6858000" type="screen4x3"/>
   <p:notesSz cx="6858000" cy="9144000"/>
@@ -4155,32 +4154,55 @@
         <p:spPr/>
         <p:txBody>
           <a:bodyPr>
-            <a:normAutofit/>
+            <a:normAutofit fontScale="92500" lnSpcReduction="10000"/>
           </a:bodyPr>
           <a:lstStyle/>
           <a:p>
+            <a:pPr>
+              <a:lnSpc>
+                <a:spcPct val="150000"/>
+              </a:lnSpc>
+            </a:pPr>
             <a:r>
               <a:rPr lang="pt-PT" dirty="0" smtClean="0"/>
               <a:t>How to give better tools to teachers?</a:t>
             </a:r>
           </a:p>
           <a:p>
-            <a:pPr lvl="1"/>
+            <a:pPr lvl="1">
+              <a:lnSpc>
+                <a:spcPct val="150000"/>
+              </a:lnSpc>
+            </a:pPr>
             <a:r>
               <a:rPr lang="pt-PT" dirty="0" smtClean="0"/>
               <a:t>Let them build the tools they need!</a:t>
             </a:r>
           </a:p>
           <a:p>
+            <a:pPr>
+              <a:lnSpc>
+                <a:spcPct val="150000"/>
+              </a:lnSpc>
+            </a:pPr>
             <a:r>
               <a:rPr lang="pt-PT" dirty="0" smtClean="0"/>
               <a:t>A specific architecture is required to allow end-users to model their own systems</a:t>
             </a:r>
           </a:p>
           <a:p>
+            <a:pPr>
+              <a:lnSpc>
+                <a:spcPct val="150000"/>
+              </a:lnSpc>
+            </a:pPr>
             <a:r>
               <a:rPr lang="pt-PT" dirty="0" smtClean="0"/>
-              <a:t>AOM and Oghma provide this missing functionality</a:t>
+              <a:t>AOMs </a:t>
+            </a:r>
+            <a:r>
+              <a:rPr lang="pt-PT" dirty="0" smtClean="0"/>
+              <a:t>and Oghma provide this missing functionality</a:t>
             </a:r>
             <a:endParaRPr lang="en-US" dirty="0"/>
           </a:p>
@@ -4259,68 +4281,7 @@
           <a:p>
             <a:r>
               <a:rPr lang="pt-PT" dirty="0" smtClean="0"/>
-              <a:t>Past Work</a:t>
-            </a:r>
-            <a:endParaRPr lang="en-US" dirty="0"/>
-          </a:p>
-        </p:txBody>
-      </p:sp>
-      <p:sp>
-        <p:nvSpPr>
-          <p:cNvPr id="3" name="Content Placeholder 2"/>
-          <p:cNvSpPr>
-            <a:spLocks noGrp="1"/>
-          </p:cNvSpPr>
-          <p:nvPr>
-            <p:ph idx="1"/>
-          </p:nvPr>
-        </p:nvSpPr>
-        <p:spPr/>
-        <p:txBody>
-          <a:bodyPr/>
-          <a:lstStyle/>
-          <a:p>
-            <a:pPr>
-              <a:lnSpc>
-                <a:spcPct val="150000"/>
-              </a:lnSpc>
-            </a:pPr>
-            <a:r>
-              <a:rPr lang="pt-PT" dirty="0" smtClean="0"/>
-              <a:t>State of the art report</a:t>
-            </a:r>
-          </a:p>
-          <a:p>
-            <a:pPr>
-              <a:lnSpc>
-                <a:spcPct val="150000"/>
-              </a:lnSpc>
-            </a:pPr>
-            <a:r>
-              <a:rPr lang="pt-PT" dirty="0" smtClean="0"/>
-              <a:t>AOM study</a:t>
-            </a:r>
-          </a:p>
-          <a:p>
-            <a:pPr lvl="1">
-              <a:lnSpc>
-                <a:spcPct val="150000"/>
-              </a:lnSpc>
-            </a:pPr>
-            <a:r>
-              <a:rPr lang="pt-PT" dirty="0" smtClean="0"/>
-              <a:t>AOM architecture and inherent design patterns</a:t>
-            </a:r>
-          </a:p>
-          <a:p>
-            <a:pPr>
-              <a:lnSpc>
-                <a:spcPct val="150000"/>
-              </a:lnSpc>
-            </a:pPr>
-            <a:r>
-              <a:rPr lang="pt-PT" dirty="0" smtClean="0"/>
-              <a:t>Oghma framework study</a:t>
+              <a:t>Thesis Work Plan</a:t>
             </a:r>
             <a:endParaRPr lang="en-US" dirty="0"/>
           </a:p>
@@ -4345,85 +4306,6 @@
               <a:rPr lang="en-US" smtClean="0"/>
               <a:pPr/>
               <a:t>11</a:t>
-            </a:fld>
-            <a:endParaRPr lang="en-US"/>
-          </a:p>
-        </p:txBody>
-      </p:sp>
-    </p:spTree>
-  </p:cSld>
-  <p:clrMapOvr>
-    <a:masterClrMapping/>
-  </p:clrMapOvr>
-  <p:timing>
-    <p:tnLst>
-      <p:par>
-        <p:cTn id="1" dur="indefinite" restart="never" nodeType="tmRoot"/>
-      </p:par>
-    </p:tnLst>
-  </p:timing>
-</p:sld>
-</file>
-
-<file path=ppt/slides/slide12.xml><?xml version="1.0" encoding="utf-8"?>
-<p:sld xmlns:a="http://schemas.openxmlformats.org/drawingml/2006/main" xmlns:r="http://schemas.openxmlformats.org/officeDocument/2006/relationships" xmlns:p="http://schemas.openxmlformats.org/presentationml/2006/main">
-  <p:cSld>
-    <p:spTree>
-      <p:nvGrpSpPr>
-        <p:cNvPr id="1" name=""/>
-        <p:cNvGrpSpPr/>
-        <p:nvPr/>
-      </p:nvGrpSpPr>
-      <p:grpSpPr>
-        <a:xfrm>
-          <a:off x="0" y="0"/>
-          <a:ext cx="0" cy="0"/>
-          <a:chOff x="0" y="0"/>
-          <a:chExt cx="0" cy="0"/>
-        </a:xfrm>
-      </p:grpSpPr>
-      <p:sp>
-        <p:nvSpPr>
-          <p:cNvPr id="2" name="Title 1"/>
-          <p:cNvSpPr>
-            <a:spLocks noGrp="1"/>
-          </p:cNvSpPr>
-          <p:nvPr>
-            <p:ph type="title"/>
-          </p:nvPr>
-        </p:nvSpPr>
-        <p:spPr/>
-        <p:txBody>
-          <a:bodyPr/>
-          <a:lstStyle/>
-          <a:p>
-            <a:r>
-              <a:rPr lang="pt-PT" dirty="0" smtClean="0"/>
-              <a:t>Thesis Work Plan</a:t>
-            </a:r>
-            <a:endParaRPr lang="en-US" dirty="0"/>
-          </a:p>
-        </p:txBody>
-      </p:sp>
-      <p:sp>
-        <p:nvSpPr>
-          <p:cNvPr id="4" name="Slide Number Placeholder 3"/>
-          <p:cNvSpPr>
-            <a:spLocks noGrp="1"/>
-          </p:cNvSpPr>
-          <p:nvPr>
-            <p:ph type="sldNum" sz="quarter" idx="12"/>
-          </p:nvPr>
-        </p:nvSpPr>
-        <p:spPr/>
-        <p:txBody>
-          <a:bodyPr/>
-          <a:lstStyle/>
-          <a:p>
-            <a:fld id="{B6F15528-21DE-4FAA-801E-634DDDAF4B2B}" type="slidenum">
-              <a:rPr lang="en-US" smtClean="0"/>
-              <a:pPr/>
-              <a:t>12</a:t>
             </a:fld>
             <a:endParaRPr lang="en-US"/>
           </a:p>
@@ -11994,7 +11876,7 @@
 </p:sld>
 </file>
 
-<file path=ppt/slides/slide13.xml><?xml version="1.0" encoding="utf-8"?>
+<file path=ppt/slides/slide12.xml><?xml version="1.0" encoding="utf-8"?>
 <p:sld xmlns:a="http://schemas.openxmlformats.org/drawingml/2006/main" xmlns:r="http://schemas.openxmlformats.org/officeDocument/2006/relationships" xmlns:p="http://schemas.openxmlformats.org/presentationml/2006/main">
   <p:cSld>
     <p:bg>
@@ -12094,7 +11976,7 @@
             <a:fld id="{B6F15528-21DE-4FAA-801E-634DDDAF4B2B}" type="slidenum">
               <a:rPr lang="en-US" smtClean="0"/>
               <a:pPr/>
-              <a:t>13</a:t>
+              <a:t>12</a:t>
             </a:fld>
             <a:endParaRPr lang="en-US"/>
           </a:p>
@@ -12310,7 +12192,6 @@
               <a:rPr lang="pt-PT" dirty="0" smtClean="0"/>
               <a:t>Allow the end-users to tailor the system to their own needs</a:t>
             </a:r>
-            <a:endParaRPr lang="pt-PT" dirty="0" smtClean="0"/>
           </a:p>
           <a:p>
             <a:pPr>
@@ -12322,7 +12203,6 @@
               <a:rPr lang="pt-PT" dirty="0" smtClean="0"/>
               <a:t>Accelerate development of highly customizable systems</a:t>
             </a:r>
-            <a:endParaRPr lang="pt-PT" dirty="0" smtClean="0"/>
           </a:p>
         </p:txBody>
       </p:sp>
@@ -12401,7 +12281,15 @@
           <a:p>
             <a:r>
               <a:rPr lang="pt-PT" dirty="0" smtClean="0"/>
-              <a:t>State of the Art – Adaptive System</a:t>
+              <a:t>State of the Art – Adaptive </a:t>
+            </a:r>
+            <a:r>
+              <a:rPr lang="pt-PT" dirty="0" smtClean="0"/>
+              <a:t>Systems</a:t>
+            </a:r>
+            <a:r>
+              <a:rPr lang="pt-PT" dirty="0" smtClean="0"/>
+              <a:t/>
             </a:r>
             <a:br>
               <a:rPr lang="pt-PT" dirty="0" smtClean="0"/>
@@ -12755,7 +12643,15 @@
             </a:pPr>
             <a:r>
               <a:rPr lang="pt-PT" dirty="0" smtClean="0"/>
-              <a:t>A system can be configured by a domain expert using a DSL</a:t>
+              <a:t>A system can be </a:t>
+            </a:r>
+            <a:r>
+              <a:rPr lang="pt-PT" dirty="0" smtClean="0"/>
+              <a:t>bootstraped </a:t>
+            </a:r>
+            <a:r>
+              <a:rPr lang="pt-PT" dirty="0" smtClean="0"/>
+              <a:t>by a domain expert using a DSL</a:t>
             </a:r>
           </a:p>
           <a:p>
@@ -12766,8 +12662,13 @@
             </a:pPr>
             <a:r>
               <a:rPr lang="pt-PT" dirty="0" smtClean="0"/>
-              <a:t>Allows for changes to a system’s architecture in runtime</a:t>
+              <a:t>Allows for changes to a system’s architecture in </a:t>
             </a:r>
+            <a:r>
+              <a:rPr lang="pt-PT" dirty="0" smtClean="0"/>
+              <a:t>runtime by the end-users</a:t>
+            </a:r>
+            <a:endParaRPr lang="pt-PT" dirty="0" smtClean="0"/>
           </a:p>
         </p:txBody>
       </p:sp>
@@ -13365,15 +13266,7 @@
             </a:pPr>
             <a:r>
               <a:rPr lang="pt-PT" dirty="0" smtClean="0"/>
-              <a:t>Allows for the easy creation of highly-customizable, </a:t>
-            </a:r>
-            <a:r>
-              <a:rPr lang="pt-PT" dirty="0" smtClean="0"/>
-              <a:t>dynamic information </a:t>
-            </a:r>
-            <a:r>
-              <a:rPr lang="pt-PT" dirty="0" smtClean="0"/>
-              <a:t>systems</a:t>
+              <a:t>Allows for the easy creation of highly-customizable, dynamic information systems</a:t>
             </a:r>
           </a:p>
           <a:p>

--- a/presentations/pdis2.pptx
+++ b/presentations/pdis2.pptx
@@ -694,7 +694,27 @@
           </a:bodyPr>
           <a:lstStyle/>
           <a:p>
-            <a:endParaRPr lang="en-US" dirty="0"/>
+            <a:pPr marL="0" marR="0" indent="0" algn="l" defTabSz="914400" rtl="0" eaLnBrk="1" fontAlgn="auto" latinLnBrk="0" hangingPunct="1">
+              <a:lnSpc>
+                <a:spcPct val="100000"/>
+              </a:lnSpc>
+              <a:spcBef>
+                <a:spcPts val="0"/>
+              </a:spcBef>
+              <a:spcAft>
+                <a:spcPts val="0"/>
+              </a:spcAft>
+              <a:buClrTx/>
+              <a:buSzTx/>
+              <a:buFontTx/>
+              <a:buNone/>
+              <a:tabLst/>
+              <a:defRPr/>
+            </a:pPr>
+            <a:r>
+              <a:rPr lang="pt-PT" dirty="0" smtClean="0"/>
+              <a:t>A system can be bootstraped by a domain expert using a DSL</a:t>
+            </a:r>
           </a:p>
         </p:txBody>
       </p:sp>
@@ -4198,11 +4218,7 @@
             </a:pPr>
             <a:r>
               <a:rPr lang="pt-PT" dirty="0" smtClean="0"/>
-              <a:t>AOMs </a:t>
-            </a:r>
-            <a:r>
-              <a:rPr lang="pt-PT" dirty="0" smtClean="0"/>
-              <a:t>and Oghma provide this missing functionality</a:t>
+              <a:t>AOMs and Oghma provide this missing functionality</a:t>
             </a:r>
             <a:endParaRPr lang="en-US" dirty="0"/>
           </a:p>
@@ -4313,45 +4329,45 @@
       </p:sp>
       <p:graphicFrame>
         <p:nvGraphicFramePr>
-          <p:cNvPr id="7" name="Table 6"/>
+          <p:cNvPr id="5" name="Table 4"/>
           <p:cNvGraphicFramePr>
             <a:graphicFrameLocks noGrp="1"/>
           </p:cNvGraphicFramePr>
           <p:nvPr/>
         </p:nvGraphicFramePr>
         <p:xfrm>
-          <a:off x="90025" y="2667000"/>
-          <a:ext cx="8963951" cy="2374577"/>
+          <a:off x="89360" y="2362202"/>
+          <a:ext cx="8965287" cy="2590798"/>
         </p:xfrm>
         <a:graphic>
           <a:graphicData uri="http://schemas.openxmlformats.org/drawingml/2006/table">
             <a:tbl>
               <a:tblPr/>
               <a:tblGrid>
-                <a:gridCol w="2551433"/>
-                <a:gridCol w="305358"/>
-                <a:gridCol w="305358"/>
-                <a:gridCol w="305358"/>
-                <a:gridCol w="305358"/>
-                <a:gridCol w="305358"/>
-                <a:gridCol w="305358"/>
-                <a:gridCol w="305358"/>
-                <a:gridCol w="305358"/>
-                <a:gridCol w="305358"/>
-                <a:gridCol w="305358"/>
-                <a:gridCol w="305358"/>
-                <a:gridCol w="305358"/>
-                <a:gridCol w="305358"/>
-                <a:gridCol w="305358"/>
-                <a:gridCol w="305358"/>
-                <a:gridCol w="305358"/>
-                <a:gridCol w="305358"/>
-                <a:gridCol w="305358"/>
-                <a:gridCol w="305358"/>
-                <a:gridCol w="305358"/>
-                <a:gridCol w="305358"/>
+                <a:gridCol w="2512743"/>
+                <a:gridCol w="307264"/>
+                <a:gridCol w="307264"/>
+                <a:gridCol w="307264"/>
+                <a:gridCol w="307264"/>
+                <a:gridCol w="307264"/>
+                <a:gridCol w="307264"/>
+                <a:gridCol w="307264"/>
+                <a:gridCol w="307264"/>
+                <a:gridCol w="307264"/>
+                <a:gridCol w="307264"/>
+                <a:gridCol w="307264"/>
+                <a:gridCol w="307264"/>
+                <a:gridCol w="307264"/>
+                <a:gridCol w="307264"/>
+                <a:gridCol w="307264"/>
+                <a:gridCol w="307264"/>
+                <a:gridCol w="307264"/>
+                <a:gridCol w="307264"/>
+                <a:gridCol w="307264"/>
+                <a:gridCol w="307264"/>
+                <a:gridCol w="307264"/>
               </a:tblGrid>
-              <a:tr h="210406">
+              <a:tr h="211699">
                 <a:tc>
                   <a:txBody>
                     <a:bodyPr/>
@@ -4359,7 +4375,7 @@
                     <a:p>
                       <a:pPr algn="r" fontAlgn="b"/>
                       <a:r>
-                        <a:rPr lang="en-US" sz="1200" b="0" i="0" u="none" strike="noStrike">
+                        <a:rPr lang="en-US" sz="1200" b="0" i="0" u="none" strike="noStrike" dirty="0">
                           <a:solidFill>
                             <a:srgbClr val="000000"/>
                           </a:solidFill>
@@ -4369,7 +4385,7 @@
                       </a:r>
                     </a:p>
                   </a:txBody>
-                  <a:tcPr marL="10020" marR="90173" marT="10020" marB="0" anchor="b">
+                  <a:tcPr marL="10082" marR="90728" marT="10082" marB="0" anchor="b">
                     <a:lnL>
                       <a:noFill/>
                     </a:lnL>
@@ -4407,7 +4423,7 @@
                       </a:r>
                     </a:p>
                   </a:txBody>
-                  <a:tcPr marL="10020" marR="10020" marT="10020" marB="0" anchor="ctr">
+                  <a:tcPr marL="10082" marR="10082" marT="10082" marB="0" anchor="ctr">
                     <a:lnL w="12700" cap="flat" cmpd="sng" algn="ctr">
                       <a:solidFill>
                         <a:srgbClr val="000000"/>
@@ -4647,7 +4663,7 @@
                   <a:tcPr/>
                 </a:tc>
               </a:tr>
-              <a:tr h="210406">
+              <a:tr h="211699">
                 <a:tc>
                   <a:txBody>
                     <a:bodyPr/>
@@ -4665,7 +4681,7 @@
                       </a:r>
                     </a:p>
                   </a:txBody>
-                  <a:tcPr marL="10020" marR="90173" marT="10020" marB="0" anchor="b">
+                  <a:tcPr marL="10082" marR="90728" marT="10082" marB="0" anchor="b">
                     <a:lnL>
                       <a:noFill/>
                     </a:lnL>
@@ -4709,7 +4725,7 @@
                       </a:r>
                     </a:p>
                   </a:txBody>
-                  <a:tcPr marL="10020" marR="10020" marT="10020" marB="0" anchor="ctr">
+                  <a:tcPr marL="10082" marR="10082" marT="10082" marB="0" anchor="ctr">
                     <a:lnL w="12700" cap="flat" cmpd="sng" algn="ctr">
                       <a:solidFill>
                         <a:srgbClr val="000000"/>
@@ -4765,7 +4781,7 @@
                       </a:r>
                     </a:p>
                   </a:txBody>
-                  <a:tcPr marL="10020" marR="10020" marT="10020" marB="0" anchor="ctr">
+                  <a:tcPr marL="10082" marR="10082" marT="10082" marB="0" anchor="ctr">
                     <a:lnL w="6350" cap="flat" cmpd="sng" algn="ctr">
                       <a:solidFill>
                         <a:srgbClr val="000000"/>
@@ -4821,7 +4837,7 @@
                       </a:r>
                     </a:p>
                   </a:txBody>
-                  <a:tcPr marL="10020" marR="10020" marT="10020" marB="0" anchor="ctr">
+                  <a:tcPr marL="10082" marR="10082" marT="10082" marB="0" anchor="ctr">
                     <a:lnL w="6350" cap="flat" cmpd="sng" algn="ctr">
                       <a:solidFill>
                         <a:srgbClr val="000000"/>
@@ -4877,7 +4893,7 @@
                       </a:r>
                     </a:p>
                   </a:txBody>
-                  <a:tcPr marL="10020" marR="10020" marT="10020" marB="0" anchor="ctr">
+                  <a:tcPr marL="10082" marR="10082" marT="10082" marB="0" anchor="ctr">
                     <a:lnL w="6350" cap="flat" cmpd="sng" algn="ctr">
                       <a:solidFill>
                         <a:srgbClr val="000000"/>
@@ -4933,7 +4949,7 @@
                       </a:r>
                     </a:p>
                   </a:txBody>
-                  <a:tcPr marL="10020" marR="10020" marT="10020" marB="0" anchor="ctr">
+                  <a:tcPr marL="10082" marR="10082" marT="10082" marB="0" anchor="ctr">
                     <a:lnL w="6350" cap="flat" cmpd="sng" algn="ctr">
                       <a:solidFill>
                         <a:srgbClr val="000000"/>
@@ -4989,7 +5005,7 @@
                       </a:r>
                     </a:p>
                   </a:txBody>
-                  <a:tcPr marL="10020" marR="10020" marT="10020" marB="0" anchor="ctr">
+                  <a:tcPr marL="10082" marR="10082" marT="10082" marB="0" anchor="ctr">
                     <a:lnL w="6350" cap="flat" cmpd="sng" algn="ctr">
                       <a:solidFill>
                         <a:srgbClr val="000000"/>
@@ -5045,7 +5061,7 @@
                       </a:r>
                     </a:p>
                   </a:txBody>
-                  <a:tcPr marL="10020" marR="10020" marT="10020" marB="0" anchor="ctr">
+                  <a:tcPr marL="10082" marR="10082" marT="10082" marB="0" anchor="ctr">
                     <a:lnL w="6350" cap="flat" cmpd="sng" algn="ctr">
                       <a:solidFill>
                         <a:srgbClr val="000000"/>
@@ -5101,7 +5117,7 @@
                       </a:r>
                     </a:p>
                   </a:txBody>
-                  <a:tcPr marL="10020" marR="10020" marT="10020" marB="0" anchor="ctr">
+                  <a:tcPr marL="10082" marR="10082" marT="10082" marB="0" anchor="ctr">
                     <a:lnL w="6350" cap="flat" cmpd="sng" algn="ctr">
                       <a:solidFill>
                         <a:srgbClr val="000000"/>
@@ -5157,7 +5173,7 @@
                       </a:r>
                     </a:p>
                   </a:txBody>
-                  <a:tcPr marL="10020" marR="10020" marT="10020" marB="0" anchor="ctr">
+                  <a:tcPr marL="10082" marR="10082" marT="10082" marB="0" anchor="ctr">
                     <a:lnL w="6350" cap="flat" cmpd="sng" algn="ctr">
                       <a:solidFill>
                         <a:srgbClr val="000000"/>
@@ -5213,7 +5229,7 @@
                       </a:r>
                     </a:p>
                   </a:txBody>
-                  <a:tcPr marL="10020" marR="10020" marT="10020" marB="0" anchor="ctr">
+                  <a:tcPr marL="10082" marR="10082" marT="10082" marB="0" anchor="ctr">
                     <a:lnL w="6350" cap="flat" cmpd="sng" algn="ctr">
                       <a:solidFill>
                         <a:srgbClr val="000000"/>
@@ -5269,7 +5285,7 @@
                       </a:r>
                     </a:p>
                   </a:txBody>
-                  <a:tcPr marL="10020" marR="10020" marT="10020" marB="0" anchor="ctr">
+                  <a:tcPr marL="10082" marR="10082" marT="10082" marB="0" anchor="ctr">
                     <a:lnL w="6350" cap="flat" cmpd="sng" algn="ctr">
                       <a:solidFill>
                         <a:srgbClr val="000000"/>
@@ -5325,7 +5341,7 @@
                       </a:r>
                     </a:p>
                   </a:txBody>
-                  <a:tcPr marL="10020" marR="10020" marT="10020" marB="0" anchor="ctr">
+                  <a:tcPr marL="10082" marR="10082" marT="10082" marB="0" anchor="ctr">
                     <a:lnL w="6350" cap="flat" cmpd="sng" algn="ctr">
                       <a:solidFill>
                         <a:srgbClr val="000000"/>
@@ -5381,7 +5397,7 @@
                       </a:r>
                     </a:p>
                   </a:txBody>
-                  <a:tcPr marL="10020" marR="10020" marT="10020" marB="0" anchor="ctr">
+                  <a:tcPr marL="10082" marR="10082" marT="10082" marB="0" anchor="ctr">
                     <a:lnL w="6350" cap="flat" cmpd="sng" algn="ctr">
                       <a:solidFill>
                         <a:srgbClr val="000000"/>
@@ -5437,7 +5453,7 @@
                       </a:r>
                     </a:p>
                   </a:txBody>
-                  <a:tcPr marL="10020" marR="10020" marT="10020" marB="0" anchor="ctr">
+                  <a:tcPr marL="10082" marR="10082" marT="10082" marB="0" anchor="ctr">
                     <a:lnL w="6350" cap="flat" cmpd="sng" algn="ctr">
                       <a:solidFill>
                         <a:srgbClr val="000000"/>
@@ -5493,7 +5509,7 @@
                       </a:r>
                     </a:p>
                   </a:txBody>
-                  <a:tcPr marL="10020" marR="10020" marT="10020" marB="0" anchor="ctr">
+                  <a:tcPr marL="10082" marR="10082" marT="10082" marB="0" anchor="ctr">
                     <a:lnL w="6350" cap="flat" cmpd="sng" algn="ctr">
                       <a:solidFill>
                         <a:srgbClr val="000000"/>
@@ -5549,7 +5565,7 @@
                       </a:r>
                     </a:p>
                   </a:txBody>
-                  <a:tcPr marL="10020" marR="10020" marT="10020" marB="0" anchor="ctr">
+                  <a:tcPr marL="10082" marR="10082" marT="10082" marB="0" anchor="ctr">
                     <a:lnL w="6350" cap="flat" cmpd="sng" algn="ctr">
                       <a:solidFill>
                         <a:srgbClr val="000000"/>
@@ -5605,7 +5621,7 @@
                       </a:r>
                     </a:p>
                   </a:txBody>
-                  <a:tcPr marL="10020" marR="10020" marT="10020" marB="0" anchor="ctr">
+                  <a:tcPr marL="10082" marR="10082" marT="10082" marB="0" anchor="ctr">
                     <a:lnL w="6350" cap="flat" cmpd="sng" algn="ctr">
                       <a:solidFill>
                         <a:srgbClr val="000000"/>
@@ -5661,7 +5677,7 @@
                       </a:r>
                     </a:p>
                   </a:txBody>
-                  <a:tcPr marL="10020" marR="10020" marT="10020" marB="0" anchor="ctr">
+                  <a:tcPr marL="10082" marR="10082" marT="10082" marB="0" anchor="ctr">
                     <a:lnL w="6350" cap="flat" cmpd="sng" algn="ctr">
                       <a:solidFill>
                         <a:srgbClr val="000000"/>
@@ -5717,7 +5733,7 @@
                       </a:r>
                     </a:p>
                   </a:txBody>
-                  <a:tcPr marL="10020" marR="10020" marT="10020" marB="0" anchor="ctr">
+                  <a:tcPr marL="10082" marR="10082" marT="10082" marB="0" anchor="ctr">
                     <a:lnL w="6350" cap="flat" cmpd="sng" algn="ctr">
                       <a:solidFill>
                         <a:srgbClr val="000000"/>
@@ -5773,7 +5789,7 @@
                       </a:r>
                     </a:p>
                   </a:txBody>
-                  <a:tcPr marL="10020" marR="10020" marT="10020" marB="0" anchor="ctr">
+                  <a:tcPr marL="10082" marR="10082" marT="10082" marB="0" anchor="ctr">
                     <a:lnL w="6350" cap="flat" cmpd="sng" algn="ctr">
                       <a:solidFill>
                         <a:srgbClr val="000000"/>
@@ -5829,7 +5845,7 @@
                       </a:r>
                     </a:p>
                   </a:txBody>
-                  <a:tcPr marL="10020" marR="10020" marT="10020" marB="0" anchor="ctr">
+                  <a:tcPr marL="10082" marR="10082" marT="10082" marB="0" anchor="ctr">
                     <a:lnL w="6350" cap="flat" cmpd="sng" algn="ctr">
                       <a:solidFill>
                         <a:srgbClr val="000000"/>
@@ -5869,7 +5885,7 @@
                   </a:tcPr>
                 </a:tc>
               </a:tr>
-              <a:tr h="200386">
+              <a:tr h="201619">
                 <a:tc>
                   <a:txBody>
                     <a:bodyPr/>
@@ -5887,7 +5903,7 @@
                       </a:r>
                     </a:p>
                   </a:txBody>
-                  <a:tcPr marL="10020" marR="90173" marT="10020" marB="0" anchor="b">
+                  <a:tcPr marL="10082" marR="90728" marT="10082" marB="0" anchor="b">
                     <a:lnL>
                       <a:noFill/>
                     </a:lnL>
@@ -5931,7 +5947,7 @@
                       </a:r>
                     </a:p>
                   </a:txBody>
-                  <a:tcPr marL="10020" marR="10020" marT="10020" marB="0" anchor="ctr">
+                  <a:tcPr marL="10082" marR="10082" marT="10082" marB="0" anchor="ctr">
                     <a:lnL w="12700" cap="flat" cmpd="sng" algn="ctr">
                       <a:solidFill>
                         <a:srgbClr val="000000"/>
@@ -5984,7 +6000,7 @@
                       </a:r>
                     </a:p>
                   </a:txBody>
-                  <a:tcPr marL="10020" marR="10020" marT="10020" marB="0" anchor="ctr">
+                  <a:tcPr marL="10082" marR="10082" marT="10082" marB="0" anchor="ctr">
                     <a:lnL w="6350" cap="flat" cmpd="sng" algn="ctr">
                       <a:solidFill>
                         <a:srgbClr val="000000"/>
@@ -6037,7 +6053,7 @@
                       </a:r>
                     </a:p>
                   </a:txBody>
-                  <a:tcPr marL="10020" marR="10020" marT="10020" marB="0" anchor="ctr">
+                  <a:tcPr marL="10082" marR="10082" marT="10082" marB="0" anchor="ctr">
                     <a:lnL w="6350" cap="flat" cmpd="sng" algn="ctr">
                       <a:solidFill>
                         <a:srgbClr val="000000"/>
@@ -6090,7 +6106,7 @@
                       </a:r>
                     </a:p>
                   </a:txBody>
-                  <a:tcPr marL="10020" marR="10020" marT="10020" marB="0" anchor="ctr">
+                  <a:tcPr marL="10082" marR="10082" marT="10082" marB="0" anchor="ctr">
                     <a:lnL w="6350" cap="flat" cmpd="sng" algn="ctr">
                       <a:solidFill>
                         <a:srgbClr val="000000"/>
@@ -6140,7 +6156,7 @@
                       </a:r>
                     </a:p>
                   </a:txBody>
-                  <a:tcPr marL="10020" marR="10020" marT="10020" marB="0" anchor="ctr">
+                  <a:tcPr marL="10082" marR="10082" marT="10082" marB="0" anchor="ctr">
                     <a:lnL w="6350" cap="flat" cmpd="sng" algn="ctr">
                       <a:solidFill>
                         <a:srgbClr val="000000"/>
@@ -6190,7 +6206,7 @@
                       </a:r>
                     </a:p>
                   </a:txBody>
-                  <a:tcPr marL="10020" marR="10020" marT="10020" marB="0" anchor="ctr">
+                  <a:tcPr marL="10082" marR="10082" marT="10082" marB="0" anchor="ctr">
                     <a:lnL w="6350" cap="flat" cmpd="sng" algn="ctr">
                       <a:solidFill>
                         <a:srgbClr val="000000"/>
@@ -6240,7 +6256,7 @@
                       </a:r>
                     </a:p>
                   </a:txBody>
-                  <a:tcPr marL="10020" marR="10020" marT="10020" marB="0" anchor="ctr">
+                  <a:tcPr marL="10082" marR="10082" marT="10082" marB="0" anchor="ctr">
                     <a:lnL w="6350" cap="flat" cmpd="sng" algn="ctr">
                       <a:solidFill>
                         <a:srgbClr val="000000"/>
@@ -6290,7 +6306,7 @@
                       </a:r>
                     </a:p>
                   </a:txBody>
-                  <a:tcPr marL="10020" marR="10020" marT="10020" marB="0" anchor="ctr">
+                  <a:tcPr marL="10082" marR="10082" marT="10082" marB="0" anchor="ctr">
                     <a:lnL w="6350" cap="flat" cmpd="sng" algn="ctr">
                       <a:solidFill>
                         <a:srgbClr val="000000"/>
@@ -6340,7 +6356,7 @@
                       </a:r>
                     </a:p>
                   </a:txBody>
-                  <a:tcPr marL="10020" marR="10020" marT="10020" marB="0" anchor="ctr">
+                  <a:tcPr marL="10082" marR="10082" marT="10082" marB="0" anchor="ctr">
                     <a:lnL w="6350" cap="flat" cmpd="sng" algn="ctr">
                       <a:solidFill>
                         <a:srgbClr val="000000"/>
@@ -6390,7 +6406,7 @@
                       </a:r>
                     </a:p>
                   </a:txBody>
-                  <a:tcPr marL="10020" marR="10020" marT="10020" marB="0" anchor="ctr">
+                  <a:tcPr marL="10082" marR="10082" marT="10082" marB="0" anchor="ctr">
                     <a:lnL w="6350" cap="flat" cmpd="sng" algn="ctr">
                       <a:solidFill>
                         <a:srgbClr val="000000"/>
@@ -6440,7 +6456,7 @@
                       </a:r>
                     </a:p>
                   </a:txBody>
-                  <a:tcPr marL="10020" marR="10020" marT="10020" marB="0" anchor="ctr">
+                  <a:tcPr marL="10082" marR="10082" marT="10082" marB="0" anchor="ctr">
                     <a:lnL w="6350" cap="flat" cmpd="sng" algn="ctr">
                       <a:solidFill>
                         <a:srgbClr val="000000"/>
@@ -6490,7 +6506,7 @@
                       </a:r>
                     </a:p>
                   </a:txBody>
-                  <a:tcPr marL="10020" marR="10020" marT="10020" marB="0" anchor="ctr">
+                  <a:tcPr marL="10082" marR="10082" marT="10082" marB="0" anchor="ctr">
                     <a:lnL w="6350" cap="flat" cmpd="sng" algn="ctr">
                       <a:solidFill>
                         <a:srgbClr val="000000"/>
@@ -6540,7 +6556,7 @@
                       </a:r>
                     </a:p>
                   </a:txBody>
-                  <a:tcPr marL="10020" marR="10020" marT="10020" marB="0" anchor="ctr">
+                  <a:tcPr marL="10082" marR="10082" marT="10082" marB="0" anchor="ctr">
                     <a:lnL w="6350" cap="flat" cmpd="sng" algn="ctr">
                       <a:solidFill>
                         <a:srgbClr val="000000"/>
@@ -6590,7 +6606,7 @@
                       </a:r>
                     </a:p>
                   </a:txBody>
-                  <a:tcPr marL="10020" marR="10020" marT="10020" marB="0" anchor="ctr">
+                  <a:tcPr marL="10082" marR="10082" marT="10082" marB="0" anchor="ctr">
                     <a:lnL w="6350" cap="flat" cmpd="sng" algn="ctr">
                       <a:solidFill>
                         <a:srgbClr val="000000"/>
@@ -6640,7 +6656,7 @@
                       </a:r>
                     </a:p>
                   </a:txBody>
-                  <a:tcPr marL="10020" marR="10020" marT="10020" marB="0" anchor="ctr">
+                  <a:tcPr marL="10082" marR="10082" marT="10082" marB="0" anchor="ctr">
                     <a:lnL w="6350" cap="flat" cmpd="sng" algn="ctr">
                       <a:solidFill>
                         <a:srgbClr val="000000"/>
@@ -6690,7 +6706,7 @@
                       </a:r>
                     </a:p>
                   </a:txBody>
-                  <a:tcPr marL="10020" marR="10020" marT="10020" marB="0" anchor="ctr">
+                  <a:tcPr marL="10082" marR="10082" marT="10082" marB="0" anchor="ctr">
                     <a:lnL w="6350" cap="flat" cmpd="sng" algn="ctr">
                       <a:solidFill>
                         <a:srgbClr val="000000"/>
@@ -6740,7 +6756,7 @@
                       </a:r>
                     </a:p>
                   </a:txBody>
-                  <a:tcPr marL="10020" marR="10020" marT="10020" marB="0" anchor="ctr">
+                  <a:tcPr marL="10082" marR="10082" marT="10082" marB="0" anchor="ctr">
                     <a:lnL w="6350" cap="flat" cmpd="sng" algn="ctr">
                       <a:solidFill>
                         <a:srgbClr val="000000"/>
@@ -6790,7 +6806,7 @@
                       </a:r>
                     </a:p>
                   </a:txBody>
-                  <a:tcPr marL="10020" marR="10020" marT="10020" marB="0" anchor="ctr">
+                  <a:tcPr marL="10082" marR="10082" marT="10082" marB="0" anchor="ctr">
                     <a:lnL w="6350" cap="flat" cmpd="sng" algn="ctr">
                       <a:solidFill>
                         <a:srgbClr val="000000"/>
@@ -6840,7 +6856,7 @@
                       </a:r>
                     </a:p>
                   </a:txBody>
-                  <a:tcPr marL="10020" marR="10020" marT="10020" marB="0" anchor="ctr">
+                  <a:tcPr marL="10082" marR="10082" marT="10082" marB="0" anchor="ctr">
                     <a:lnL w="6350" cap="flat" cmpd="sng" algn="ctr">
                       <a:solidFill>
                         <a:srgbClr val="000000"/>
@@ -6890,7 +6906,7 @@
                       </a:r>
                     </a:p>
                   </a:txBody>
-                  <a:tcPr marL="10020" marR="10020" marT="10020" marB="0" anchor="ctr">
+                  <a:tcPr marL="10082" marR="10082" marT="10082" marB="0" anchor="ctr">
                     <a:lnL w="6350" cap="flat" cmpd="sng" algn="ctr">
                       <a:solidFill>
                         <a:srgbClr val="000000"/>
@@ -6940,7 +6956,7 @@
                       </a:r>
                     </a:p>
                   </a:txBody>
-                  <a:tcPr marL="10020" marR="10020" marT="10020" marB="0" anchor="ctr">
+                  <a:tcPr marL="10082" marR="10082" marT="10082" marB="0" anchor="ctr">
                     <a:lnL w="6350" cap="flat" cmpd="sng" algn="ctr">
                       <a:solidFill>
                         <a:srgbClr val="000000"/>
@@ -6974,7 +6990,7 @@
                   </a:tcPr>
                 </a:tc>
               </a:tr>
-              <a:tr h="200386">
+              <a:tr h="201619">
                 <a:tc>
                   <a:txBody>
                     <a:bodyPr/>
@@ -6992,7 +7008,7 @@
                       </a:r>
                     </a:p>
                   </a:txBody>
-                  <a:tcPr marL="10020" marR="90173" marT="10020" marB="0" anchor="b">
+                  <a:tcPr marL="10082" marR="90728" marT="10082" marB="0" anchor="b">
                     <a:lnL>
                       <a:noFill/>
                     </a:lnL>
@@ -7030,7 +7046,7 @@
                       </a:r>
                     </a:p>
                   </a:txBody>
-                  <a:tcPr marL="10020" marR="10020" marT="10020" marB="0" anchor="ctr">
+                  <a:tcPr marL="10082" marR="10082" marT="10082" marB="0" anchor="ctr">
                     <a:lnL w="12700" cap="flat" cmpd="sng" algn="ctr">
                       <a:solidFill>
                         <a:srgbClr val="000000"/>
@@ -7074,7 +7090,7 @@
                       </a:r>
                     </a:p>
                   </a:txBody>
-                  <a:tcPr marL="10020" marR="10020" marT="10020" marB="0" anchor="ctr">
+                  <a:tcPr marL="10082" marR="10082" marT="10082" marB="0" anchor="ctr">
                     <a:lnL w="6350" cap="flat" cmpd="sng" algn="ctr">
                       <a:solidFill>
                         <a:srgbClr val="000000"/>
@@ -7121,7 +7137,7 @@
                       </a:r>
                     </a:p>
                   </a:txBody>
-                  <a:tcPr marL="10020" marR="10020" marT="10020" marB="0" anchor="ctr">
+                  <a:tcPr marL="10082" marR="10082" marT="10082" marB="0" anchor="ctr">
                     <a:lnL w="6350" cap="flat" cmpd="sng" algn="ctr">
                       <a:solidFill>
                         <a:srgbClr val="000000"/>
@@ -7168,7 +7184,7 @@
                       </a:r>
                     </a:p>
                   </a:txBody>
-                  <a:tcPr marL="10020" marR="10020" marT="10020" marB="0" anchor="ctr">
+                  <a:tcPr marL="10082" marR="10082" marT="10082" marB="0" anchor="ctr">
                     <a:lnL w="6350" cap="flat" cmpd="sng" algn="ctr">
                       <a:solidFill>
                         <a:srgbClr val="000000"/>
@@ -7215,7 +7231,7 @@
                       </a:r>
                     </a:p>
                   </a:txBody>
-                  <a:tcPr marL="10020" marR="10020" marT="10020" marB="0" anchor="ctr">
+                  <a:tcPr marL="10082" marR="10082" marT="10082" marB="0" anchor="ctr">
                     <a:lnL w="6350" cap="flat" cmpd="sng" algn="ctr">
                       <a:solidFill>
                         <a:srgbClr val="000000"/>
@@ -7259,7 +7275,7 @@
                       </a:r>
                     </a:p>
                   </a:txBody>
-                  <a:tcPr marL="10020" marR="10020" marT="10020" marB="0" anchor="ctr">
+                  <a:tcPr marL="10082" marR="10082" marT="10082" marB="0" anchor="ctr">
                     <a:lnL w="6350" cap="flat" cmpd="sng" algn="ctr">
                       <a:solidFill>
                         <a:srgbClr val="000000"/>
@@ -7303,7 +7319,7 @@
                       </a:r>
                     </a:p>
                   </a:txBody>
-                  <a:tcPr marL="10020" marR="10020" marT="10020" marB="0" anchor="ctr">
+                  <a:tcPr marL="10082" marR="10082" marT="10082" marB="0" anchor="ctr">
                     <a:lnL w="6350" cap="flat" cmpd="sng" algn="ctr">
                       <a:solidFill>
                         <a:srgbClr val="000000"/>
@@ -7347,7 +7363,7 @@
                       </a:r>
                     </a:p>
                   </a:txBody>
-                  <a:tcPr marL="10020" marR="10020" marT="10020" marB="0" anchor="ctr">
+                  <a:tcPr marL="10082" marR="10082" marT="10082" marB="0" anchor="ctr">
                     <a:lnL w="6350" cap="flat" cmpd="sng" algn="ctr">
                       <a:solidFill>
                         <a:srgbClr val="000000"/>
@@ -7391,7 +7407,7 @@
                       </a:r>
                     </a:p>
                   </a:txBody>
-                  <a:tcPr marL="10020" marR="10020" marT="10020" marB="0" anchor="ctr">
+                  <a:tcPr marL="10082" marR="10082" marT="10082" marB="0" anchor="ctr">
                     <a:lnL w="6350" cap="flat" cmpd="sng" algn="ctr">
                       <a:solidFill>
                         <a:srgbClr val="000000"/>
@@ -7435,7 +7451,7 @@
                       </a:r>
                     </a:p>
                   </a:txBody>
-                  <a:tcPr marL="10020" marR="10020" marT="10020" marB="0" anchor="ctr">
+                  <a:tcPr marL="10082" marR="10082" marT="10082" marB="0" anchor="ctr">
                     <a:lnL w="6350" cap="flat" cmpd="sng" algn="ctr">
                       <a:solidFill>
                         <a:srgbClr val="000000"/>
@@ -7479,7 +7495,7 @@
                       </a:r>
                     </a:p>
                   </a:txBody>
-                  <a:tcPr marL="10020" marR="10020" marT="10020" marB="0" anchor="ctr">
+                  <a:tcPr marL="10082" marR="10082" marT="10082" marB="0" anchor="ctr">
                     <a:lnL w="6350" cap="flat" cmpd="sng" algn="ctr">
                       <a:solidFill>
                         <a:srgbClr val="000000"/>
@@ -7523,7 +7539,7 @@
                       </a:r>
                     </a:p>
                   </a:txBody>
-                  <a:tcPr marL="10020" marR="10020" marT="10020" marB="0" anchor="ctr">
+                  <a:tcPr marL="10082" marR="10082" marT="10082" marB="0" anchor="ctr">
                     <a:lnL w="6350" cap="flat" cmpd="sng" algn="ctr">
                       <a:solidFill>
                         <a:srgbClr val="000000"/>
@@ -7567,7 +7583,7 @@
                       </a:r>
                     </a:p>
                   </a:txBody>
-                  <a:tcPr marL="10020" marR="10020" marT="10020" marB="0" anchor="ctr">
+                  <a:tcPr marL="10082" marR="10082" marT="10082" marB="0" anchor="ctr">
                     <a:lnL w="6350" cap="flat" cmpd="sng" algn="ctr">
                       <a:solidFill>
                         <a:srgbClr val="000000"/>
@@ -7611,7 +7627,7 @@
                       </a:r>
                     </a:p>
                   </a:txBody>
-                  <a:tcPr marL="10020" marR="10020" marT="10020" marB="0" anchor="ctr">
+                  <a:tcPr marL="10082" marR="10082" marT="10082" marB="0" anchor="ctr">
                     <a:lnL w="6350" cap="flat" cmpd="sng" algn="ctr">
                       <a:solidFill>
                         <a:srgbClr val="000000"/>
@@ -7655,7 +7671,7 @@
                       </a:r>
                     </a:p>
                   </a:txBody>
-                  <a:tcPr marL="10020" marR="10020" marT="10020" marB="0" anchor="ctr">
+                  <a:tcPr marL="10082" marR="10082" marT="10082" marB="0" anchor="ctr">
                     <a:lnL w="6350" cap="flat" cmpd="sng" algn="ctr">
                       <a:solidFill>
                         <a:srgbClr val="000000"/>
@@ -7699,7 +7715,7 @@
                       </a:r>
                     </a:p>
                   </a:txBody>
-                  <a:tcPr marL="10020" marR="10020" marT="10020" marB="0" anchor="ctr">
+                  <a:tcPr marL="10082" marR="10082" marT="10082" marB="0" anchor="ctr">
                     <a:lnL w="6350" cap="flat" cmpd="sng" algn="ctr">
                       <a:solidFill>
                         <a:srgbClr val="000000"/>
@@ -7743,7 +7759,7 @@
                       </a:r>
                     </a:p>
                   </a:txBody>
-                  <a:tcPr marL="10020" marR="10020" marT="10020" marB="0" anchor="ctr">
+                  <a:tcPr marL="10082" marR="10082" marT="10082" marB="0" anchor="ctr">
                     <a:lnL w="6350" cap="flat" cmpd="sng" algn="ctr">
                       <a:solidFill>
                         <a:srgbClr val="000000"/>
@@ -7787,7 +7803,7 @@
                       </a:r>
                     </a:p>
                   </a:txBody>
-                  <a:tcPr marL="10020" marR="10020" marT="10020" marB="0" anchor="ctr">
+                  <a:tcPr marL="10082" marR="10082" marT="10082" marB="0" anchor="ctr">
                     <a:lnL w="6350" cap="flat" cmpd="sng" algn="ctr">
                       <a:solidFill>
                         <a:srgbClr val="000000"/>
@@ -7831,7 +7847,7 @@
                       </a:r>
                     </a:p>
                   </a:txBody>
-                  <a:tcPr marL="10020" marR="10020" marT="10020" marB="0" anchor="ctr">
+                  <a:tcPr marL="10082" marR="10082" marT="10082" marB="0" anchor="ctr">
                     <a:lnL w="6350" cap="flat" cmpd="sng" algn="ctr">
                       <a:solidFill>
                         <a:srgbClr val="000000"/>
@@ -7875,7 +7891,7 @@
                       </a:r>
                     </a:p>
                   </a:txBody>
-                  <a:tcPr marL="10020" marR="10020" marT="10020" marB="0" anchor="ctr">
+                  <a:tcPr marL="10082" marR="10082" marT="10082" marB="0" anchor="ctr">
                     <a:lnL w="6350" cap="flat" cmpd="sng" algn="ctr">
                       <a:solidFill>
                         <a:srgbClr val="000000"/>
@@ -7919,7 +7935,7 @@
                       </a:r>
                     </a:p>
                   </a:txBody>
-                  <a:tcPr marL="10020" marR="10020" marT="10020" marB="0" anchor="ctr">
+                  <a:tcPr marL="10082" marR="10082" marT="10082" marB="0" anchor="ctr">
                     <a:lnL w="6350" cap="flat" cmpd="sng" algn="ctr">
                       <a:solidFill>
                         <a:srgbClr val="000000"/>
@@ -7947,7 +7963,7 @@
                   </a:tcPr>
                 </a:tc>
               </a:tr>
-              <a:tr h="200386">
+              <a:tr h="201619">
                 <a:tc>
                   <a:txBody>
                     <a:bodyPr/>
@@ -7961,11 +7977,987 @@
                           </a:solidFill>
                           <a:latin typeface="Calibri"/>
                         </a:rPr>
+                        <a:t>Mining of Web Patterns for AOMs</a:t>
+                      </a:r>
+                    </a:p>
+                  </a:txBody>
+                  <a:tcPr marL="10082" marR="90728" marT="10082" marB="0" anchor="b">
+                    <a:lnL>
+                      <a:noFill/>
+                    </a:lnL>
+                    <a:lnR w="12700" cap="flat" cmpd="sng" algn="ctr">
+                      <a:solidFill>
+                        <a:srgbClr val="000000"/>
+                      </a:solidFill>
+                      <a:prstDash val="solid"/>
+                      <a:round/>
+                      <a:headEnd type="none" w="med" len="med"/>
+                      <a:tailEnd type="none" w="med" len="med"/>
+                    </a:lnR>
+                    <a:lnT>
+                      <a:noFill/>
+                    </a:lnT>
+                    <a:lnB>
+                      <a:noFill/>
+                    </a:lnB>
+                  </a:tcPr>
+                </a:tc>
+                <a:tc>
+                  <a:txBody>
+                    <a:bodyPr/>
+                    <a:lstStyle/>
+                    <a:p>
+                      <a:pPr algn="ctr" fontAlgn="ctr"/>
+                      <a:r>
+                        <a:rPr lang="en-US" sz="1200" b="0" i="0" u="none" strike="noStrike">
+                          <a:solidFill>
+                            <a:srgbClr val="000000"/>
+                          </a:solidFill>
+                          <a:latin typeface="Calibri"/>
+                        </a:rPr>
+                        <a:t> </a:t>
+                      </a:r>
+                    </a:p>
+                  </a:txBody>
+                  <a:tcPr marL="10082" marR="10082" marT="10082" marB="0" anchor="ctr">
+                    <a:lnL w="12700" cap="flat" cmpd="sng" algn="ctr">
+                      <a:solidFill>
+                        <a:srgbClr val="000000"/>
+                      </a:solidFill>
+                      <a:prstDash val="solid"/>
+                      <a:round/>
+                      <a:headEnd type="none" w="med" len="med"/>
+                      <a:tailEnd type="none" w="med" len="med"/>
+                    </a:lnL>
+                    <a:lnR w="6350" cap="flat" cmpd="sng" algn="ctr">
+                      <a:solidFill>
+                        <a:srgbClr val="000000"/>
+                      </a:solidFill>
+                      <a:prstDash val="solid"/>
+                      <a:round/>
+                      <a:headEnd type="none" w="med" len="med"/>
+                      <a:tailEnd type="none" w="med" len="med"/>
+                    </a:lnR>
+                    <a:lnT>
+                      <a:noFill/>
+                    </a:lnT>
+                    <a:lnB>
+                      <a:noFill/>
+                    </a:lnB>
+                  </a:tcPr>
+                </a:tc>
+                <a:tc>
+                  <a:txBody>
+                    <a:bodyPr/>
+                    <a:lstStyle/>
+                    <a:p>
+                      <a:pPr algn="ctr" fontAlgn="ctr"/>
+                      <a:r>
+                        <a:rPr lang="en-US" sz="1200" b="0" i="0" u="none" strike="noStrike">
+                          <a:solidFill>
+                            <a:srgbClr val="000000"/>
+                          </a:solidFill>
+                          <a:latin typeface="Calibri"/>
+                        </a:rPr>
+                        <a:t> </a:t>
+                      </a:r>
+                    </a:p>
+                  </a:txBody>
+                  <a:tcPr marL="10082" marR="10082" marT="10082" marB="0" anchor="ctr">
+                    <a:lnL w="6350" cap="flat" cmpd="sng" algn="ctr">
+                      <a:solidFill>
+                        <a:srgbClr val="000000"/>
+                      </a:solidFill>
+                      <a:prstDash val="solid"/>
+                      <a:round/>
+                      <a:headEnd type="none" w="med" len="med"/>
+                      <a:tailEnd type="none" w="med" len="med"/>
+                    </a:lnL>
+                    <a:lnR w="6350" cap="flat" cmpd="sng" algn="ctr">
+                      <a:solidFill>
+                        <a:srgbClr val="000000"/>
+                      </a:solidFill>
+                      <a:prstDash val="solid"/>
+                      <a:round/>
+                      <a:headEnd type="none" w="med" len="med"/>
+                      <a:tailEnd type="none" w="med" len="med"/>
+                    </a:lnR>
+                    <a:lnT>
+                      <a:noFill/>
+                    </a:lnT>
+                    <a:lnB>
+                      <a:noFill/>
+                    </a:lnB>
+                  </a:tcPr>
+                </a:tc>
+                <a:tc>
+                  <a:txBody>
+                    <a:bodyPr/>
+                    <a:lstStyle/>
+                    <a:p>
+                      <a:pPr algn="ctr" fontAlgn="ctr"/>
+                      <a:r>
+                        <a:rPr lang="en-US" sz="1200" b="0" i="0" u="none" strike="noStrike">
+                          <a:solidFill>
+                            <a:srgbClr val="000000"/>
+                          </a:solidFill>
+                          <a:latin typeface="Calibri"/>
+                        </a:rPr>
+                        <a:t> </a:t>
+                      </a:r>
+                    </a:p>
+                  </a:txBody>
+                  <a:tcPr marL="10082" marR="10082" marT="10082" marB="0" anchor="ctr">
+                    <a:lnL w="6350" cap="flat" cmpd="sng" algn="ctr">
+                      <a:solidFill>
+                        <a:srgbClr val="000000"/>
+                      </a:solidFill>
+                      <a:prstDash val="solid"/>
+                      <a:round/>
+                      <a:headEnd type="none" w="med" len="med"/>
+                      <a:tailEnd type="none" w="med" len="med"/>
+                    </a:lnL>
+                    <a:lnR w="6350" cap="flat" cmpd="sng" algn="ctr">
+                      <a:solidFill>
+                        <a:srgbClr val="000000"/>
+                      </a:solidFill>
+                      <a:prstDash val="solid"/>
+                      <a:round/>
+                      <a:headEnd type="none" w="med" len="med"/>
+                      <a:tailEnd type="none" w="med" len="med"/>
+                    </a:lnR>
+                    <a:lnT>
+                      <a:noFill/>
+                    </a:lnT>
+                    <a:lnB>
+                      <a:noFill/>
+                    </a:lnB>
+                    <a:solidFill>
+                      <a:srgbClr val="FCDE28"/>
+                    </a:solidFill>
+                  </a:tcPr>
+                </a:tc>
+                <a:tc>
+                  <a:txBody>
+                    <a:bodyPr/>
+                    <a:lstStyle/>
+                    <a:p>
+                      <a:pPr algn="ctr" fontAlgn="ctr"/>
+                      <a:r>
+                        <a:rPr lang="en-US" sz="1200" b="0" i="0" u="none" strike="noStrike">
+                          <a:solidFill>
+                            <a:srgbClr val="000000"/>
+                          </a:solidFill>
+                          <a:latin typeface="Calibri"/>
+                        </a:rPr>
+                        <a:t> </a:t>
+                      </a:r>
+                    </a:p>
+                  </a:txBody>
+                  <a:tcPr marL="10082" marR="10082" marT="10082" marB="0" anchor="ctr">
+                    <a:lnL w="6350" cap="flat" cmpd="sng" algn="ctr">
+                      <a:solidFill>
+                        <a:srgbClr val="000000"/>
+                      </a:solidFill>
+                      <a:prstDash val="solid"/>
+                      <a:round/>
+                      <a:headEnd type="none" w="med" len="med"/>
+                      <a:tailEnd type="none" w="med" len="med"/>
+                    </a:lnL>
+                    <a:lnR w="6350" cap="flat" cmpd="sng" algn="ctr">
+                      <a:solidFill>
+                        <a:srgbClr val="000000"/>
+                      </a:solidFill>
+                      <a:prstDash val="solid"/>
+                      <a:round/>
+                      <a:headEnd type="none" w="med" len="med"/>
+                      <a:tailEnd type="none" w="med" len="med"/>
+                    </a:lnR>
+                    <a:lnT>
+                      <a:noFill/>
+                    </a:lnT>
+                    <a:lnB>
+                      <a:noFill/>
+                    </a:lnB>
+                    <a:solidFill>
+                      <a:srgbClr val="FCDE28"/>
+                    </a:solidFill>
+                  </a:tcPr>
+                </a:tc>
+                <a:tc>
+                  <a:txBody>
+                    <a:bodyPr/>
+                    <a:lstStyle/>
+                    <a:p>
+                      <a:pPr algn="ctr" fontAlgn="ctr"/>
+                      <a:r>
+                        <a:rPr lang="en-US" sz="1200" b="0" i="0" u="none" strike="noStrike">
+                          <a:solidFill>
+                            <a:srgbClr val="000000"/>
+                          </a:solidFill>
+                          <a:latin typeface="Calibri"/>
+                        </a:rPr>
+                        <a:t> </a:t>
+                      </a:r>
+                    </a:p>
+                  </a:txBody>
+                  <a:tcPr marL="10082" marR="10082" marT="10082" marB="0" anchor="ctr">
+                    <a:lnL w="6350" cap="flat" cmpd="sng" algn="ctr">
+                      <a:solidFill>
+                        <a:srgbClr val="000000"/>
+                      </a:solidFill>
+                      <a:prstDash val="solid"/>
+                      <a:round/>
+                      <a:headEnd type="none" w="med" len="med"/>
+                      <a:tailEnd type="none" w="med" len="med"/>
+                    </a:lnL>
+                    <a:lnR w="6350" cap="flat" cmpd="sng" algn="ctr">
+                      <a:solidFill>
+                        <a:srgbClr val="000000"/>
+                      </a:solidFill>
+                      <a:prstDash val="solid"/>
+                      <a:round/>
+                      <a:headEnd type="none" w="med" len="med"/>
+                      <a:tailEnd type="none" w="med" len="med"/>
+                    </a:lnR>
+                    <a:lnT>
+                      <a:noFill/>
+                    </a:lnT>
+                    <a:lnB>
+                      <a:noFill/>
+                    </a:lnB>
+                    <a:solidFill>
+                      <a:srgbClr val="FCDE28"/>
+                    </a:solidFill>
+                  </a:tcPr>
+                </a:tc>
+                <a:tc>
+                  <a:txBody>
+                    <a:bodyPr/>
+                    <a:lstStyle/>
+                    <a:p>
+                      <a:pPr algn="ctr" fontAlgn="ctr"/>
+                      <a:r>
+                        <a:rPr lang="en-US" sz="1200" b="0" i="0" u="none" strike="noStrike">
+                          <a:solidFill>
+                            <a:srgbClr val="000000"/>
+                          </a:solidFill>
+                          <a:latin typeface="Calibri"/>
+                        </a:rPr>
+                        <a:t> </a:t>
+                      </a:r>
+                    </a:p>
+                  </a:txBody>
+                  <a:tcPr marL="10082" marR="10082" marT="10082" marB="0" anchor="ctr">
+                    <a:lnL w="6350" cap="flat" cmpd="sng" algn="ctr">
+                      <a:solidFill>
+                        <a:srgbClr val="000000"/>
+                      </a:solidFill>
+                      <a:prstDash val="solid"/>
+                      <a:round/>
+                      <a:headEnd type="none" w="med" len="med"/>
+                      <a:tailEnd type="none" w="med" len="med"/>
+                    </a:lnL>
+                    <a:lnR w="6350" cap="flat" cmpd="sng" algn="ctr">
+                      <a:solidFill>
+                        <a:srgbClr val="000000"/>
+                      </a:solidFill>
+                      <a:prstDash val="solid"/>
+                      <a:round/>
+                      <a:headEnd type="none" w="med" len="med"/>
+                      <a:tailEnd type="none" w="med" len="med"/>
+                    </a:lnR>
+                    <a:lnT>
+                      <a:noFill/>
+                    </a:lnT>
+                    <a:lnB>
+                      <a:noFill/>
+                    </a:lnB>
+                    <a:solidFill>
+                      <a:srgbClr val="FCDE28"/>
+                    </a:solidFill>
+                  </a:tcPr>
+                </a:tc>
+                <a:tc>
+                  <a:txBody>
+                    <a:bodyPr/>
+                    <a:lstStyle/>
+                    <a:p>
+                      <a:pPr algn="ctr" fontAlgn="ctr"/>
+                      <a:r>
+                        <a:rPr lang="en-US" sz="1200" b="0" i="0" u="none" strike="noStrike">
+                          <a:solidFill>
+                            <a:srgbClr val="000000"/>
+                          </a:solidFill>
+                          <a:latin typeface="Calibri"/>
+                        </a:rPr>
+                        <a:t> </a:t>
+                      </a:r>
+                    </a:p>
+                  </a:txBody>
+                  <a:tcPr marL="10082" marR="10082" marT="10082" marB="0" anchor="ctr">
+                    <a:lnL w="6350" cap="flat" cmpd="sng" algn="ctr">
+                      <a:solidFill>
+                        <a:srgbClr val="000000"/>
+                      </a:solidFill>
+                      <a:prstDash val="solid"/>
+                      <a:round/>
+                      <a:headEnd type="none" w="med" len="med"/>
+                      <a:tailEnd type="none" w="med" len="med"/>
+                    </a:lnL>
+                    <a:lnR w="6350" cap="flat" cmpd="sng" algn="ctr">
+                      <a:solidFill>
+                        <a:srgbClr val="000000"/>
+                      </a:solidFill>
+                      <a:prstDash val="solid"/>
+                      <a:round/>
+                      <a:headEnd type="none" w="med" len="med"/>
+                      <a:tailEnd type="none" w="med" len="med"/>
+                    </a:lnR>
+                    <a:lnT>
+                      <a:noFill/>
+                    </a:lnT>
+                    <a:lnB>
+                      <a:noFill/>
+                    </a:lnB>
+                  </a:tcPr>
+                </a:tc>
+                <a:tc>
+                  <a:txBody>
+                    <a:bodyPr/>
+                    <a:lstStyle/>
+                    <a:p>
+                      <a:pPr algn="ctr" fontAlgn="ctr"/>
+                      <a:r>
+                        <a:rPr lang="en-US" sz="1200" b="0" i="0" u="none" strike="noStrike">
+                          <a:solidFill>
+                            <a:srgbClr val="000000"/>
+                          </a:solidFill>
+                          <a:latin typeface="Calibri"/>
+                        </a:rPr>
+                        <a:t> </a:t>
+                      </a:r>
+                    </a:p>
+                  </a:txBody>
+                  <a:tcPr marL="10082" marR="10082" marT="10082" marB="0" anchor="ctr">
+                    <a:lnL w="6350" cap="flat" cmpd="sng" algn="ctr">
+                      <a:solidFill>
+                        <a:srgbClr val="000000"/>
+                      </a:solidFill>
+                      <a:prstDash val="solid"/>
+                      <a:round/>
+                      <a:headEnd type="none" w="med" len="med"/>
+                      <a:tailEnd type="none" w="med" len="med"/>
+                    </a:lnL>
+                    <a:lnR w="6350" cap="flat" cmpd="sng" algn="ctr">
+                      <a:solidFill>
+                        <a:srgbClr val="000000"/>
+                      </a:solidFill>
+                      <a:prstDash val="solid"/>
+                      <a:round/>
+                      <a:headEnd type="none" w="med" len="med"/>
+                      <a:tailEnd type="none" w="med" len="med"/>
+                    </a:lnR>
+                    <a:lnT>
+                      <a:noFill/>
+                    </a:lnT>
+                    <a:lnB>
+                      <a:noFill/>
+                    </a:lnB>
+                  </a:tcPr>
+                </a:tc>
+                <a:tc>
+                  <a:txBody>
+                    <a:bodyPr/>
+                    <a:lstStyle/>
+                    <a:p>
+                      <a:pPr algn="ctr" fontAlgn="ctr"/>
+                      <a:r>
+                        <a:rPr lang="en-US" sz="1200" b="0" i="0" u="none" strike="noStrike">
+                          <a:solidFill>
+                            <a:srgbClr val="000000"/>
+                          </a:solidFill>
+                          <a:latin typeface="Calibri"/>
+                        </a:rPr>
+                        <a:t> </a:t>
+                      </a:r>
+                    </a:p>
+                  </a:txBody>
+                  <a:tcPr marL="10082" marR="10082" marT="10082" marB="0" anchor="ctr">
+                    <a:lnL w="6350" cap="flat" cmpd="sng" algn="ctr">
+                      <a:solidFill>
+                        <a:srgbClr val="000000"/>
+                      </a:solidFill>
+                      <a:prstDash val="solid"/>
+                      <a:round/>
+                      <a:headEnd type="none" w="med" len="med"/>
+                      <a:tailEnd type="none" w="med" len="med"/>
+                    </a:lnL>
+                    <a:lnR w="6350" cap="flat" cmpd="sng" algn="ctr">
+                      <a:solidFill>
+                        <a:srgbClr val="000000"/>
+                      </a:solidFill>
+                      <a:prstDash val="solid"/>
+                      <a:round/>
+                      <a:headEnd type="none" w="med" len="med"/>
+                      <a:tailEnd type="none" w="med" len="med"/>
+                    </a:lnR>
+                    <a:lnT>
+                      <a:noFill/>
+                    </a:lnT>
+                    <a:lnB>
+                      <a:noFill/>
+                    </a:lnB>
+                  </a:tcPr>
+                </a:tc>
+                <a:tc>
+                  <a:txBody>
+                    <a:bodyPr/>
+                    <a:lstStyle/>
+                    <a:p>
+                      <a:pPr algn="ctr" fontAlgn="ctr"/>
+                      <a:r>
+                        <a:rPr lang="en-US" sz="1200" b="0" i="0" u="none" strike="noStrike">
+                          <a:solidFill>
+                            <a:srgbClr val="000000"/>
+                          </a:solidFill>
+                          <a:latin typeface="Calibri"/>
+                        </a:rPr>
+                        <a:t> </a:t>
+                      </a:r>
+                    </a:p>
+                  </a:txBody>
+                  <a:tcPr marL="10082" marR="10082" marT="10082" marB="0" anchor="ctr">
+                    <a:lnL w="6350" cap="flat" cmpd="sng" algn="ctr">
+                      <a:solidFill>
+                        <a:srgbClr val="000000"/>
+                      </a:solidFill>
+                      <a:prstDash val="solid"/>
+                      <a:round/>
+                      <a:headEnd type="none" w="med" len="med"/>
+                      <a:tailEnd type="none" w="med" len="med"/>
+                    </a:lnL>
+                    <a:lnR w="6350" cap="flat" cmpd="sng" algn="ctr">
+                      <a:solidFill>
+                        <a:srgbClr val="000000"/>
+                      </a:solidFill>
+                      <a:prstDash val="solid"/>
+                      <a:round/>
+                      <a:headEnd type="none" w="med" len="med"/>
+                      <a:tailEnd type="none" w="med" len="med"/>
+                    </a:lnR>
+                    <a:lnT>
+                      <a:noFill/>
+                    </a:lnT>
+                    <a:lnB>
+                      <a:noFill/>
+                    </a:lnB>
+                  </a:tcPr>
+                </a:tc>
+                <a:tc>
+                  <a:txBody>
+                    <a:bodyPr/>
+                    <a:lstStyle/>
+                    <a:p>
+                      <a:pPr algn="ctr" fontAlgn="ctr"/>
+                      <a:r>
+                        <a:rPr lang="en-US" sz="1200" b="0" i="0" u="none" strike="noStrike">
+                          <a:solidFill>
+                            <a:srgbClr val="000000"/>
+                          </a:solidFill>
+                          <a:latin typeface="Calibri"/>
+                        </a:rPr>
+                        <a:t> </a:t>
+                      </a:r>
+                    </a:p>
+                  </a:txBody>
+                  <a:tcPr marL="10082" marR="10082" marT="10082" marB="0" anchor="ctr">
+                    <a:lnL w="6350" cap="flat" cmpd="sng" algn="ctr">
+                      <a:solidFill>
+                        <a:srgbClr val="000000"/>
+                      </a:solidFill>
+                      <a:prstDash val="solid"/>
+                      <a:round/>
+                      <a:headEnd type="none" w="med" len="med"/>
+                      <a:tailEnd type="none" w="med" len="med"/>
+                    </a:lnL>
+                    <a:lnR w="6350" cap="flat" cmpd="sng" algn="ctr">
+                      <a:solidFill>
+                        <a:srgbClr val="000000"/>
+                      </a:solidFill>
+                      <a:prstDash val="solid"/>
+                      <a:round/>
+                      <a:headEnd type="none" w="med" len="med"/>
+                      <a:tailEnd type="none" w="med" len="med"/>
+                    </a:lnR>
+                    <a:lnT>
+                      <a:noFill/>
+                    </a:lnT>
+                    <a:lnB>
+                      <a:noFill/>
+                    </a:lnB>
+                  </a:tcPr>
+                </a:tc>
+                <a:tc>
+                  <a:txBody>
+                    <a:bodyPr/>
+                    <a:lstStyle/>
+                    <a:p>
+                      <a:pPr algn="ctr" fontAlgn="ctr"/>
+                      <a:r>
+                        <a:rPr lang="en-US" sz="1200" b="0" i="0" u="none" strike="noStrike">
+                          <a:solidFill>
+                            <a:srgbClr val="000000"/>
+                          </a:solidFill>
+                          <a:latin typeface="Calibri"/>
+                        </a:rPr>
+                        <a:t> </a:t>
+                      </a:r>
+                    </a:p>
+                  </a:txBody>
+                  <a:tcPr marL="10082" marR="10082" marT="10082" marB="0" anchor="ctr">
+                    <a:lnL w="6350" cap="flat" cmpd="sng" algn="ctr">
+                      <a:solidFill>
+                        <a:srgbClr val="000000"/>
+                      </a:solidFill>
+                      <a:prstDash val="solid"/>
+                      <a:round/>
+                      <a:headEnd type="none" w="med" len="med"/>
+                      <a:tailEnd type="none" w="med" len="med"/>
+                    </a:lnL>
+                    <a:lnR w="6350" cap="flat" cmpd="sng" algn="ctr">
+                      <a:solidFill>
+                        <a:srgbClr val="000000"/>
+                      </a:solidFill>
+                      <a:prstDash val="solid"/>
+                      <a:round/>
+                      <a:headEnd type="none" w="med" len="med"/>
+                      <a:tailEnd type="none" w="med" len="med"/>
+                    </a:lnR>
+                    <a:lnT>
+                      <a:noFill/>
+                    </a:lnT>
+                    <a:lnB>
+                      <a:noFill/>
+                    </a:lnB>
+                  </a:tcPr>
+                </a:tc>
+                <a:tc>
+                  <a:txBody>
+                    <a:bodyPr/>
+                    <a:lstStyle/>
+                    <a:p>
+                      <a:pPr algn="ctr" fontAlgn="ctr"/>
+                      <a:r>
+                        <a:rPr lang="en-US" sz="1200" b="0" i="0" u="none" strike="noStrike">
+                          <a:solidFill>
+                            <a:srgbClr val="000000"/>
+                          </a:solidFill>
+                          <a:latin typeface="Calibri"/>
+                        </a:rPr>
+                        <a:t> </a:t>
+                      </a:r>
+                    </a:p>
+                  </a:txBody>
+                  <a:tcPr marL="10082" marR="10082" marT="10082" marB="0" anchor="ctr">
+                    <a:lnL w="6350" cap="flat" cmpd="sng" algn="ctr">
+                      <a:solidFill>
+                        <a:srgbClr val="000000"/>
+                      </a:solidFill>
+                      <a:prstDash val="solid"/>
+                      <a:round/>
+                      <a:headEnd type="none" w="med" len="med"/>
+                      <a:tailEnd type="none" w="med" len="med"/>
+                    </a:lnL>
+                    <a:lnR w="6350" cap="flat" cmpd="sng" algn="ctr">
+                      <a:solidFill>
+                        <a:srgbClr val="000000"/>
+                      </a:solidFill>
+                      <a:prstDash val="solid"/>
+                      <a:round/>
+                      <a:headEnd type="none" w="med" len="med"/>
+                      <a:tailEnd type="none" w="med" len="med"/>
+                    </a:lnR>
+                    <a:lnT>
+                      <a:noFill/>
+                    </a:lnT>
+                    <a:lnB>
+                      <a:noFill/>
+                    </a:lnB>
+                  </a:tcPr>
+                </a:tc>
+                <a:tc>
+                  <a:txBody>
+                    <a:bodyPr/>
+                    <a:lstStyle/>
+                    <a:p>
+                      <a:pPr algn="ctr" fontAlgn="ctr"/>
+                      <a:r>
+                        <a:rPr lang="en-US" sz="1200" b="0" i="0" u="none" strike="noStrike">
+                          <a:solidFill>
+                            <a:srgbClr val="000000"/>
+                          </a:solidFill>
+                          <a:latin typeface="Calibri"/>
+                        </a:rPr>
+                        <a:t> </a:t>
+                      </a:r>
+                    </a:p>
+                  </a:txBody>
+                  <a:tcPr marL="10082" marR="10082" marT="10082" marB="0" anchor="ctr">
+                    <a:lnL w="6350" cap="flat" cmpd="sng" algn="ctr">
+                      <a:solidFill>
+                        <a:srgbClr val="000000"/>
+                      </a:solidFill>
+                      <a:prstDash val="solid"/>
+                      <a:round/>
+                      <a:headEnd type="none" w="med" len="med"/>
+                      <a:tailEnd type="none" w="med" len="med"/>
+                    </a:lnL>
+                    <a:lnR w="6350" cap="flat" cmpd="sng" algn="ctr">
+                      <a:solidFill>
+                        <a:srgbClr val="000000"/>
+                      </a:solidFill>
+                      <a:prstDash val="solid"/>
+                      <a:round/>
+                      <a:headEnd type="none" w="med" len="med"/>
+                      <a:tailEnd type="none" w="med" len="med"/>
+                    </a:lnR>
+                    <a:lnT>
+                      <a:noFill/>
+                    </a:lnT>
+                    <a:lnB>
+                      <a:noFill/>
+                    </a:lnB>
+                  </a:tcPr>
+                </a:tc>
+                <a:tc>
+                  <a:txBody>
+                    <a:bodyPr/>
+                    <a:lstStyle/>
+                    <a:p>
+                      <a:pPr algn="ctr" fontAlgn="ctr"/>
+                      <a:r>
+                        <a:rPr lang="en-US" sz="1200" b="0" i="0" u="none" strike="noStrike">
+                          <a:solidFill>
+                            <a:srgbClr val="000000"/>
+                          </a:solidFill>
+                          <a:latin typeface="Calibri"/>
+                        </a:rPr>
+                        <a:t> </a:t>
+                      </a:r>
+                    </a:p>
+                  </a:txBody>
+                  <a:tcPr marL="10082" marR="10082" marT="10082" marB="0" anchor="ctr">
+                    <a:lnL w="6350" cap="flat" cmpd="sng" algn="ctr">
+                      <a:solidFill>
+                        <a:srgbClr val="000000"/>
+                      </a:solidFill>
+                      <a:prstDash val="solid"/>
+                      <a:round/>
+                      <a:headEnd type="none" w="med" len="med"/>
+                      <a:tailEnd type="none" w="med" len="med"/>
+                    </a:lnL>
+                    <a:lnR w="6350" cap="flat" cmpd="sng" algn="ctr">
+                      <a:solidFill>
+                        <a:srgbClr val="000000"/>
+                      </a:solidFill>
+                      <a:prstDash val="solid"/>
+                      <a:round/>
+                      <a:headEnd type="none" w="med" len="med"/>
+                      <a:tailEnd type="none" w="med" len="med"/>
+                    </a:lnR>
+                    <a:lnT>
+                      <a:noFill/>
+                    </a:lnT>
+                    <a:lnB>
+                      <a:noFill/>
+                    </a:lnB>
+                  </a:tcPr>
+                </a:tc>
+                <a:tc>
+                  <a:txBody>
+                    <a:bodyPr/>
+                    <a:lstStyle/>
+                    <a:p>
+                      <a:pPr algn="ctr" fontAlgn="ctr"/>
+                      <a:r>
+                        <a:rPr lang="en-US" sz="1200" b="0" i="0" u="none" strike="noStrike">
+                          <a:solidFill>
+                            <a:srgbClr val="000000"/>
+                          </a:solidFill>
+                          <a:latin typeface="Calibri"/>
+                        </a:rPr>
+                        <a:t> </a:t>
+                      </a:r>
+                    </a:p>
+                  </a:txBody>
+                  <a:tcPr marL="10082" marR="10082" marT="10082" marB="0" anchor="ctr">
+                    <a:lnL w="6350" cap="flat" cmpd="sng" algn="ctr">
+                      <a:solidFill>
+                        <a:srgbClr val="000000"/>
+                      </a:solidFill>
+                      <a:prstDash val="solid"/>
+                      <a:round/>
+                      <a:headEnd type="none" w="med" len="med"/>
+                      <a:tailEnd type="none" w="med" len="med"/>
+                    </a:lnL>
+                    <a:lnR w="6350" cap="flat" cmpd="sng" algn="ctr">
+                      <a:solidFill>
+                        <a:srgbClr val="000000"/>
+                      </a:solidFill>
+                      <a:prstDash val="solid"/>
+                      <a:round/>
+                      <a:headEnd type="none" w="med" len="med"/>
+                      <a:tailEnd type="none" w="med" len="med"/>
+                    </a:lnR>
+                    <a:lnT>
+                      <a:noFill/>
+                    </a:lnT>
+                    <a:lnB>
+                      <a:noFill/>
+                    </a:lnB>
+                  </a:tcPr>
+                </a:tc>
+                <a:tc>
+                  <a:txBody>
+                    <a:bodyPr/>
+                    <a:lstStyle/>
+                    <a:p>
+                      <a:pPr algn="ctr" fontAlgn="ctr"/>
+                      <a:r>
+                        <a:rPr lang="en-US" sz="1200" b="0" i="0" u="none" strike="noStrike">
+                          <a:solidFill>
+                            <a:srgbClr val="000000"/>
+                          </a:solidFill>
+                          <a:latin typeface="Calibri"/>
+                        </a:rPr>
+                        <a:t> </a:t>
+                      </a:r>
+                    </a:p>
+                  </a:txBody>
+                  <a:tcPr marL="10082" marR="10082" marT="10082" marB="0" anchor="ctr">
+                    <a:lnL w="6350" cap="flat" cmpd="sng" algn="ctr">
+                      <a:solidFill>
+                        <a:srgbClr val="000000"/>
+                      </a:solidFill>
+                      <a:prstDash val="solid"/>
+                      <a:round/>
+                      <a:headEnd type="none" w="med" len="med"/>
+                      <a:tailEnd type="none" w="med" len="med"/>
+                    </a:lnL>
+                    <a:lnR w="6350" cap="flat" cmpd="sng" algn="ctr">
+                      <a:solidFill>
+                        <a:srgbClr val="000000"/>
+                      </a:solidFill>
+                      <a:prstDash val="solid"/>
+                      <a:round/>
+                      <a:headEnd type="none" w="med" len="med"/>
+                      <a:tailEnd type="none" w="med" len="med"/>
+                    </a:lnR>
+                    <a:lnT>
+                      <a:noFill/>
+                    </a:lnT>
+                    <a:lnB>
+                      <a:noFill/>
+                    </a:lnB>
+                  </a:tcPr>
+                </a:tc>
+                <a:tc>
+                  <a:txBody>
+                    <a:bodyPr/>
+                    <a:lstStyle/>
+                    <a:p>
+                      <a:pPr algn="ctr" fontAlgn="ctr"/>
+                      <a:r>
+                        <a:rPr lang="en-US" sz="1200" b="0" i="0" u="none" strike="noStrike">
+                          <a:solidFill>
+                            <a:srgbClr val="000000"/>
+                          </a:solidFill>
+                          <a:latin typeface="Calibri"/>
+                        </a:rPr>
+                        <a:t> </a:t>
+                      </a:r>
+                    </a:p>
+                  </a:txBody>
+                  <a:tcPr marL="10082" marR="10082" marT="10082" marB="0" anchor="ctr">
+                    <a:lnL w="6350" cap="flat" cmpd="sng" algn="ctr">
+                      <a:solidFill>
+                        <a:srgbClr val="000000"/>
+                      </a:solidFill>
+                      <a:prstDash val="solid"/>
+                      <a:round/>
+                      <a:headEnd type="none" w="med" len="med"/>
+                      <a:tailEnd type="none" w="med" len="med"/>
+                    </a:lnL>
+                    <a:lnR w="6350" cap="flat" cmpd="sng" algn="ctr">
+                      <a:solidFill>
+                        <a:srgbClr val="000000"/>
+                      </a:solidFill>
+                      <a:prstDash val="solid"/>
+                      <a:round/>
+                      <a:headEnd type="none" w="med" len="med"/>
+                      <a:tailEnd type="none" w="med" len="med"/>
+                    </a:lnR>
+                    <a:lnT>
+                      <a:noFill/>
+                    </a:lnT>
+                    <a:lnB>
+                      <a:noFill/>
+                    </a:lnB>
+                  </a:tcPr>
+                </a:tc>
+                <a:tc>
+                  <a:txBody>
+                    <a:bodyPr/>
+                    <a:lstStyle/>
+                    <a:p>
+                      <a:pPr algn="ctr" fontAlgn="ctr"/>
+                      <a:r>
+                        <a:rPr lang="en-US" sz="1200" b="0" i="0" u="none" strike="noStrike">
+                          <a:solidFill>
+                            <a:srgbClr val="000000"/>
+                          </a:solidFill>
+                          <a:latin typeface="Calibri"/>
+                        </a:rPr>
+                        <a:t> </a:t>
+                      </a:r>
+                    </a:p>
+                  </a:txBody>
+                  <a:tcPr marL="10082" marR="10082" marT="10082" marB="0" anchor="ctr">
+                    <a:lnL w="6350" cap="flat" cmpd="sng" algn="ctr">
+                      <a:solidFill>
+                        <a:srgbClr val="000000"/>
+                      </a:solidFill>
+                      <a:prstDash val="solid"/>
+                      <a:round/>
+                      <a:headEnd type="none" w="med" len="med"/>
+                      <a:tailEnd type="none" w="med" len="med"/>
+                    </a:lnL>
+                    <a:lnR w="6350" cap="flat" cmpd="sng" algn="ctr">
+                      <a:solidFill>
+                        <a:srgbClr val="000000"/>
+                      </a:solidFill>
+                      <a:prstDash val="solid"/>
+                      <a:round/>
+                      <a:headEnd type="none" w="med" len="med"/>
+                      <a:tailEnd type="none" w="med" len="med"/>
+                    </a:lnR>
+                    <a:lnT>
+                      <a:noFill/>
+                    </a:lnT>
+                    <a:lnB>
+                      <a:noFill/>
+                    </a:lnB>
+                  </a:tcPr>
+                </a:tc>
+                <a:tc>
+                  <a:txBody>
+                    <a:bodyPr/>
+                    <a:lstStyle/>
+                    <a:p>
+                      <a:pPr algn="ctr" fontAlgn="ctr"/>
+                      <a:r>
+                        <a:rPr lang="en-US" sz="1200" b="0" i="0" u="none" strike="noStrike">
+                          <a:solidFill>
+                            <a:srgbClr val="000000"/>
+                          </a:solidFill>
+                          <a:latin typeface="Calibri"/>
+                        </a:rPr>
+                        <a:t> </a:t>
+                      </a:r>
+                    </a:p>
+                  </a:txBody>
+                  <a:tcPr marL="10082" marR="10082" marT="10082" marB="0" anchor="ctr">
+                    <a:lnL w="6350" cap="flat" cmpd="sng" algn="ctr">
+                      <a:solidFill>
+                        <a:srgbClr val="000000"/>
+                      </a:solidFill>
+                      <a:prstDash val="solid"/>
+                      <a:round/>
+                      <a:headEnd type="none" w="med" len="med"/>
+                      <a:tailEnd type="none" w="med" len="med"/>
+                    </a:lnL>
+                    <a:lnR w="6350" cap="flat" cmpd="sng" algn="ctr">
+                      <a:solidFill>
+                        <a:srgbClr val="000000"/>
+                      </a:solidFill>
+                      <a:prstDash val="solid"/>
+                      <a:round/>
+                      <a:headEnd type="none" w="med" len="med"/>
+                      <a:tailEnd type="none" w="med" len="med"/>
+                    </a:lnR>
+                    <a:lnT>
+                      <a:noFill/>
+                    </a:lnT>
+                    <a:lnB>
+                      <a:noFill/>
+                    </a:lnB>
+                  </a:tcPr>
+                </a:tc>
+                <a:tc>
+                  <a:txBody>
+                    <a:bodyPr/>
+                    <a:lstStyle/>
+                    <a:p>
+                      <a:pPr algn="ctr" fontAlgn="ctr"/>
+                      <a:r>
+                        <a:rPr lang="en-US" sz="1200" b="0" i="0" u="none" strike="noStrike">
+                          <a:solidFill>
+                            <a:srgbClr val="000000"/>
+                          </a:solidFill>
+                          <a:latin typeface="Calibri"/>
+                        </a:rPr>
+                        <a:t> </a:t>
+                      </a:r>
+                    </a:p>
+                  </a:txBody>
+                  <a:tcPr marL="10082" marR="10082" marT="10082" marB="0" anchor="ctr">
+                    <a:lnL w="6350" cap="flat" cmpd="sng" algn="ctr">
+                      <a:solidFill>
+                        <a:srgbClr val="000000"/>
+                      </a:solidFill>
+                      <a:prstDash val="solid"/>
+                      <a:round/>
+                      <a:headEnd type="none" w="med" len="med"/>
+                      <a:tailEnd type="none" w="med" len="med"/>
+                    </a:lnL>
+                    <a:lnR w="12700" cap="flat" cmpd="sng" algn="ctr">
+                      <a:solidFill>
+                        <a:srgbClr val="000000"/>
+                      </a:solidFill>
+                      <a:prstDash val="solid"/>
+                      <a:round/>
+                      <a:headEnd type="none" w="med" len="med"/>
+                      <a:tailEnd type="none" w="med" len="med"/>
+                    </a:lnR>
+                    <a:lnT>
+                      <a:noFill/>
+                    </a:lnT>
+                    <a:lnB>
+                      <a:noFill/>
+                    </a:lnB>
+                  </a:tcPr>
+                </a:tc>
+              </a:tr>
+              <a:tr h="201619">
+                <a:tc>
+                  <a:txBody>
+                    <a:bodyPr/>
+                    <a:lstStyle/>
+                    <a:p>
+                      <a:pPr algn="r" fontAlgn="b"/>
+                      <a:r>
+                        <a:rPr lang="en-US" sz="1200" b="0" i="0" u="none" strike="noStrike">
+                          <a:solidFill>
+                            <a:srgbClr val="000000"/>
+                          </a:solidFill>
+                          <a:latin typeface="Calibri"/>
+                        </a:rPr>
                         <a:t>Implementation</a:t>
                       </a:r>
                     </a:p>
                   </a:txBody>
-                  <a:tcPr marL="10020" marR="90173" marT="10020" marB="0" anchor="b">
+                  <a:tcPr marL="10082" marR="90728" marT="10082" marB="0" anchor="b">
                     <a:lnL>
                       <a:noFill/>
                     </a:lnL>
@@ -8003,7 +8995,7 @@
                       </a:r>
                     </a:p>
                   </a:txBody>
-                  <a:tcPr marL="10020" marR="10020" marT="10020" marB="0" anchor="ctr">
+                  <a:tcPr marL="10082" marR="10082" marT="10082" marB="0" anchor="ctr">
                     <a:lnL w="12700" cap="flat" cmpd="sng" algn="ctr">
                       <a:solidFill>
                         <a:srgbClr val="000000"/>
@@ -8047,7 +9039,7 @@
                       </a:r>
                     </a:p>
                   </a:txBody>
-                  <a:tcPr marL="10020" marR="10020" marT="10020" marB="0" anchor="ctr">
+                  <a:tcPr marL="10082" marR="10082" marT="10082" marB="0" anchor="ctr">
                     <a:lnL w="6350" cap="flat" cmpd="sng" algn="ctr">
                       <a:solidFill>
                         <a:srgbClr val="000000"/>
@@ -8091,7 +9083,7 @@
                       </a:r>
                     </a:p>
                   </a:txBody>
-                  <a:tcPr marL="10020" marR="10020" marT="10020" marB="0" anchor="ctr">
+                  <a:tcPr marL="10082" marR="10082" marT="10082" marB="0" anchor="ctr">
                     <a:lnL w="6350" cap="flat" cmpd="sng" algn="ctr">
                       <a:solidFill>
                         <a:srgbClr val="000000"/>
@@ -8135,7 +9127,7 @@
                       </a:r>
                     </a:p>
                   </a:txBody>
-                  <a:tcPr marL="10020" marR="10020" marT="10020" marB="0" anchor="ctr">
+                  <a:tcPr marL="10082" marR="10082" marT="10082" marB="0" anchor="ctr">
                     <a:lnL w="6350" cap="flat" cmpd="sng" algn="ctr">
                       <a:solidFill>
                         <a:srgbClr val="000000"/>
@@ -8179,7 +9171,7 @@
                       </a:r>
                     </a:p>
                   </a:txBody>
-                  <a:tcPr marL="10020" marR="10020" marT="10020" marB="0" anchor="ctr">
+                  <a:tcPr marL="10082" marR="10082" marT="10082" marB="0" anchor="ctr">
                     <a:lnL w="6350" cap="flat" cmpd="sng" algn="ctr">
                       <a:solidFill>
                         <a:srgbClr val="000000"/>
@@ -8226,7 +9218,7 @@
                       </a:r>
                     </a:p>
                   </a:txBody>
-                  <a:tcPr marL="10020" marR="10020" marT="10020" marB="0" anchor="ctr">
+                  <a:tcPr marL="10082" marR="10082" marT="10082" marB="0" anchor="ctr">
                     <a:lnL w="6350" cap="flat" cmpd="sng" algn="ctr">
                       <a:solidFill>
                         <a:srgbClr val="000000"/>
@@ -8273,7 +9265,7 @@
                       </a:r>
                     </a:p>
                   </a:txBody>
-                  <a:tcPr marL="10020" marR="10020" marT="10020" marB="0" anchor="ctr">
+                  <a:tcPr marL="10082" marR="10082" marT="10082" marB="0" anchor="ctr">
                     <a:lnL w="6350" cap="flat" cmpd="sng" algn="ctr">
                       <a:solidFill>
                         <a:srgbClr val="000000"/>
@@ -8320,7 +9312,7 @@
                       </a:r>
                     </a:p>
                   </a:txBody>
-                  <a:tcPr marL="10020" marR="10020" marT="10020" marB="0" anchor="ctr">
+                  <a:tcPr marL="10082" marR="10082" marT="10082" marB="0" anchor="ctr">
                     <a:lnL w="6350" cap="flat" cmpd="sng" algn="ctr">
                       <a:solidFill>
                         <a:srgbClr val="000000"/>
@@ -8367,7 +9359,7 @@
                       </a:r>
                     </a:p>
                   </a:txBody>
-                  <a:tcPr marL="10020" marR="10020" marT="10020" marB="0" anchor="ctr">
+                  <a:tcPr marL="10082" marR="10082" marT="10082" marB="0" anchor="ctr">
                     <a:lnL w="6350" cap="flat" cmpd="sng" algn="ctr">
                       <a:solidFill>
                         <a:srgbClr val="000000"/>
@@ -8414,7 +9406,7 @@
                       </a:r>
                     </a:p>
                   </a:txBody>
-                  <a:tcPr marL="10020" marR="10020" marT="10020" marB="0" anchor="ctr">
+                  <a:tcPr marL="10082" marR="10082" marT="10082" marB="0" anchor="ctr">
                     <a:lnL w="6350" cap="flat" cmpd="sng" algn="ctr">
                       <a:solidFill>
                         <a:srgbClr val="000000"/>
@@ -8461,7 +9453,7 @@
                       </a:r>
                     </a:p>
                   </a:txBody>
-                  <a:tcPr marL="10020" marR="10020" marT="10020" marB="0" anchor="ctr">
+                  <a:tcPr marL="10082" marR="10082" marT="10082" marB="0" anchor="ctr">
                     <a:lnL w="6350" cap="flat" cmpd="sng" algn="ctr">
                       <a:solidFill>
                         <a:srgbClr val="000000"/>
@@ -8508,7 +9500,7 @@
                       </a:r>
                     </a:p>
                   </a:txBody>
-                  <a:tcPr marL="10020" marR="10020" marT="10020" marB="0" anchor="ctr">
+                  <a:tcPr marL="10082" marR="10082" marT="10082" marB="0" anchor="ctr">
                     <a:lnL w="6350" cap="flat" cmpd="sng" algn="ctr">
                       <a:solidFill>
                         <a:srgbClr val="000000"/>
@@ -8555,7 +9547,7 @@
                       </a:r>
                     </a:p>
                   </a:txBody>
-                  <a:tcPr marL="10020" marR="10020" marT="10020" marB="0" anchor="ctr">
+                  <a:tcPr marL="10082" marR="10082" marT="10082" marB="0" anchor="ctr">
                     <a:lnL w="6350" cap="flat" cmpd="sng" algn="ctr">
                       <a:solidFill>
                         <a:srgbClr val="000000"/>
@@ -8602,7 +9594,7 @@
                       </a:r>
                     </a:p>
                   </a:txBody>
-                  <a:tcPr marL="10020" marR="10020" marT="10020" marB="0" anchor="ctr">
+                  <a:tcPr marL="10082" marR="10082" marT="10082" marB="0" anchor="ctr">
                     <a:lnL w="6350" cap="flat" cmpd="sng" algn="ctr">
                       <a:solidFill>
                         <a:srgbClr val="000000"/>
@@ -8649,7 +9641,7 @@
                       </a:r>
                     </a:p>
                   </a:txBody>
-                  <a:tcPr marL="10020" marR="10020" marT="10020" marB="0" anchor="ctr">
+                  <a:tcPr marL="10082" marR="10082" marT="10082" marB="0" anchor="ctr">
                     <a:lnL w="6350" cap="flat" cmpd="sng" algn="ctr">
                       <a:solidFill>
                         <a:srgbClr val="000000"/>
@@ -8696,7 +9688,7 @@
                       </a:r>
                     </a:p>
                   </a:txBody>
-                  <a:tcPr marL="10020" marR="10020" marT="10020" marB="0" anchor="ctr">
+                  <a:tcPr marL="10082" marR="10082" marT="10082" marB="0" anchor="ctr">
                     <a:lnL w="6350" cap="flat" cmpd="sng" algn="ctr">
                       <a:solidFill>
                         <a:srgbClr val="000000"/>
@@ -8743,7 +9735,7 @@
                       </a:r>
                     </a:p>
                   </a:txBody>
-                  <a:tcPr marL="10020" marR="10020" marT="10020" marB="0" anchor="ctr">
+                  <a:tcPr marL="10082" marR="10082" marT="10082" marB="0" anchor="ctr">
                     <a:lnL w="6350" cap="flat" cmpd="sng" algn="ctr">
                       <a:solidFill>
                         <a:srgbClr val="000000"/>
@@ -8790,7 +9782,7 @@
                       </a:r>
                     </a:p>
                   </a:txBody>
-                  <a:tcPr marL="10020" marR="10020" marT="10020" marB="0" anchor="ctr">
+                  <a:tcPr marL="10082" marR="10082" marT="10082" marB="0" anchor="ctr">
                     <a:lnL w="6350" cap="flat" cmpd="sng" algn="ctr">
                       <a:solidFill>
                         <a:srgbClr val="000000"/>
@@ -8834,7 +9826,7 @@
                       </a:r>
                     </a:p>
                   </a:txBody>
-                  <a:tcPr marL="10020" marR="10020" marT="10020" marB="0" anchor="ctr">
+                  <a:tcPr marL="10082" marR="10082" marT="10082" marB="0" anchor="ctr">
                     <a:lnL w="6350" cap="flat" cmpd="sng" algn="ctr">
                       <a:solidFill>
                         <a:srgbClr val="000000"/>
@@ -8878,7 +9870,7 @@
                       </a:r>
                     </a:p>
                   </a:txBody>
-                  <a:tcPr marL="10020" marR="10020" marT="10020" marB="0" anchor="ctr">
+                  <a:tcPr marL="10082" marR="10082" marT="10082" marB="0" anchor="ctr">
                     <a:lnL w="6350" cap="flat" cmpd="sng" algn="ctr">
                       <a:solidFill>
                         <a:srgbClr val="000000"/>
@@ -8922,7 +9914,7 @@
                       </a:r>
                     </a:p>
                   </a:txBody>
-                  <a:tcPr marL="10020" marR="10020" marT="10020" marB="0" anchor="ctr">
+                  <a:tcPr marL="10082" marR="10082" marT="10082" marB="0" anchor="ctr">
                     <a:lnL w="6350" cap="flat" cmpd="sng" algn="ctr">
                       <a:solidFill>
                         <a:srgbClr val="000000"/>
@@ -8950,7 +9942,7 @@
                   </a:tcPr>
                 </a:tc>
               </a:tr>
-              <a:tr h="200386">
+              <a:tr h="201619">
                 <a:tc>
                   <a:txBody>
                     <a:bodyPr/>
@@ -8968,7 +9960,7 @@
                       </a:r>
                     </a:p>
                   </a:txBody>
-                  <a:tcPr marL="10020" marR="90173" marT="10020" marB="0" anchor="b">
+                  <a:tcPr marL="10082" marR="90728" marT="10082" marB="0" anchor="b">
                     <a:lnL>
                       <a:noFill/>
                     </a:lnL>
@@ -9006,7 +9998,7 @@
                       </a:r>
                     </a:p>
                   </a:txBody>
-                  <a:tcPr marL="10020" marR="10020" marT="10020" marB="0" anchor="ctr">
+                  <a:tcPr marL="10082" marR="10082" marT="10082" marB="0" anchor="ctr">
                     <a:lnL w="12700" cap="flat" cmpd="sng" algn="ctr">
                       <a:solidFill>
                         <a:srgbClr val="000000"/>
@@ -9050,7 +10042,7 @@
                       </a:r>
                     </a:p>
                   </a:txBody>
-                  <a:tcPr marL="10020" marR="10020" marT="10020" marB="0" anchor="ctr">
+                  <a:tcPr marL="10082" marR="10082" marT="10082" marB="0" anchor="ctr">
                     <a:lnL w="6350" cap="flat" cmpd="sng" algn="ctr">
                       <a:solidFill>
                         <a:srgbClr val="000000"/>
@@ -9094,7 +10086,7 @@
                       </a:r>
                     </a:p>
                   </a:txBody>
-                  <a:tcPr marL="10020" marR="10020" marT="10020" marB="0" anchor="ctr">
+                  <a:tcPr marL="10082" marR="10082" marT="10082" marB="0" anchor="ctr">
                     <a:lnL w="6350" cap="flat" cmpd="sng" algn="ctr">
                       <a:solidFill>
                         <a:srgbClr val="000000"/>
@@ -9138,7 +10130,7 @@
                       </a:r>
                     </a:p>
                   </a:txBody>
-                  <a:tcPr marL="10020" marR="10020" marT="10020" marB="0" anchor="ctr">
+                  <a:tcPr marL="10082" marR="10082" marT="10082" marB="0" anchor="ctr">
                     <a:lnL w="6350" cap="flat" cmpd="sng" algn="ctr">
                       <a:solidFill>
                         <a:srgbClr val="000000"/>
@@ -9182,7 +10174,7 @@
                       </a:r>
                     </a:p>
                   </a:txBody>
-                  <a:tcPr marL="10020" marR="10020" marT="10020" marB="0" anchor="ctr">
+                  <a:tcPr marL="10082" marR="10082" marT="10082" marB="0" anchor="ctr">
                     <a:lnL w="6350" cap="flat" cmpd="sng" algn="ctr">
                       <a:solidFill>
                         <a:srgbClr val="000000"/>
@@ -9226,7 +10218,7 @@
                       </a:r>
                     </a:p>
                   </a:txBody>
-                  <a:tcPr marL="10020" marR="10020" marT="10020" marB="0" anchor="ctr">
+                  <a:tcPr marL="10082" marR="10082" marT="10082" marB="0" anchor="ctr">
                     <a:lnL w="6350" cap="flat" cmpd="sng" algn="ctr">
                       <a:solidFill>
                         <a:srgbClr val="000000"/>
@@ -9270,7 +10262,7 @@
                       </a:r>
                     </a:p>
                   </a:txBody>
-                  <a:tcPr marL="10020" marR="10020" marT="10020" marB="0" anchor="ctr">
+                  <a:tcPr marL="10082" marR="10082" marT="10082" marB="0" anchor="ctr">
                     <a:lnL w="6350" cap="flat" cmpd="sng" algn="ctr">
                       <a:solidFill>
                         <a:srgbClr val="000000"/>
@@ -9314,7 +10306,7 @@
                       </a:r>
                     </a:p>
                   </a:txBody>
-                  <a:tcPr marL="10020" marR="10020" marT="10020" marB="0" anchor="ctr">
+                  <a:tcPr marL="10082" marR="10082" marT="10082" marB="0" anchor="ctr">
                     <a:lnL w="6350" cap="flat" cmpd="sng" algn="ctr">
                       <a:solidFill>
                         <a:srgbClr val="000000"/>
@@ -9358,7 +10350,7 @@
                       </a:r>
                     </a:p>
                   </a:txBody>
-                  <a:tcPr marL="10020" marR="10020" marT="10020" marB="0" anchor="ctr">
+                  <a:tcPr marL="10082" marR="10082" marT="10082" marB="0" anchor="ctr">
                     <a:lnL w="6350" cap="flat" cmpd="sng" algn="ctr">
                       <a:solidFill>
                         <a:srgbClr val="000000"/>
@@ -9402,7 +10394,7 @@
                       </a:r>
                     </a:p>
                   </a:txBody>
-                  <a:tcPr marL="10020" marR="10020" marT="10020" marB="0" anchor="ctr">
+                  <a:tcPr marL="10082" marR="10082" marT="10082" marB="0" anchor="ctr">
                     <a:lnL w="6350" cap="flat" cmpd="sng" algn="ctr">
                       <a:solidFill>
                         <a:srgbClr val="000000"/>
@@ -9446,7 +10438,7 @@
                       </a:r>
                     </a:p>
                   </a:txBody>
-                  <a:tcPr marL="10020" marR="10020" marT="10020" marB="0" anchor="ctr">
+                  <a:tcPr marL="10082" marR="10082" marT="10082" marB="0" anchor="ctr">
                     <a:lnL w="6350" cap="flat" cmpd="sng" algn="ctr">
                       <a:solidFill>
                         <a:srgbClr val="000000"/>
@@ -9490,7 +10482,7 @@
                       </a:r>
                     </a:p>
                   </a:txBody>
-                  <a:tcPr marL="10020" marR="10020" marT="10020" marB="0" anchor="ctr">
+                  <a:tcPr marL="10082" marR="10082" marT="10082" marB="0" anchor="ctr">
                     <a:lnL w="6350" cap="flat" cmpd="sng" algn="ctr">
                       <a:solidFill>
                         <a:srgbClr val="000000"/>
@@ -9534,7 +10526,7 @@
                       </a:r>
                     </a:p>
                   </a:txBody>
-                  <a:tcPr marL="10020" marR="10020" marT="10020" marB="0" anchor="ctr">
+                  <a:tcPr marL="10082" marR="10082" marT="10082" marB="0" anchor="ctr">
                     <a:lnL w="6350" cap="flat" cmpd="sng" algn="ctr">
                       <a:solidFill>
                         <a:srgbClr val="000000"/>
@@ -9581,7 +10573,7 @@
                       </a:r>
                     </a:p>
                   </a:txBody>
-                  <a:tcPr marL="10020" marR="10020" marT="10020" marB="0" anchor="ctr">
+                  <a:tcPr marL="10082" marR="10082" marT="10082" marB="0" anchor="ctr">
                     <a:lnL w="6350" cap="flat" cmpd="sng" algn="ctr">
                       <a:solidFill>
                         <a:srgbClr val="000000"/>
@@ -9628,7 +10620,7 @@
                       </a:r>
                     </a:p>
                   </a:txBody>
-                  <a:tcPr marL="10020" marR="10020" marT="10020" marB="0" anchor="ctr">
+                  <a:tcPr marL="10082" marR="10082" marT="10082" marB="0" anchor="ctr">
                     <a:lnL w="6350" cap="flat" cmpd="sng" algn="ctr">
                       <a:solidFill>
                         <a:srgbClr val="000000"/>
@@ -9675,7 +10667,7 @@
                       </a:r>
                     </a:p>
                   </a:txBody>
-                  <a:tcPr marL="10020" marR="10020" marT="10020" marB="0" anchor="ctr">
+                  <a:tcPr marL="10082" marR="10082" marT="10082" marB="0" anchor="ctr">
                     <a:lnL w="6350" cap="flat" cmpd="sng" algn="ctr">
                       <a:solidFill>
                         <a:srgbClr val="000000"/>
@@ -9722,7 +10714,7 @@
                       </a:r>
                     </a:p>
                   </a:txBody>
-                  <a:tcPr marL="10020" marR="10020" marT="10020" marB="0" anchor="ctr">
+                  <a:tcPr marL="10082" marR="10082" marT="10082" marB="0" anchor="ctr">
                     <a:lnL w="6350" cap="flat" cmpd="sng" algn="ctr">
                       <a:solidFill>
                         <a:srgbClr val="000000"/>
@@ -9769,7 +10761,7 @@
                       </a:r>
                     </a:p>
                   </a:txBody>
-                  <a:tcPr marL="10020" marR="10020" marT="10020" marB="0" anchor="ctr">
+                  <a:tcPr marL="10082" marR="10082" marT="10082" marB="0" anchor="ctr">
                     <a:lnL w="6350" cap="flat" cmpd="sng" algn="ctr">
                       <a:solidFill>
                         <a:srgbClr val="000000"/>
@@ -9813,7 +10805,7 @@
                       </a:r>
                     </a:p>
                   </a:txBody>
-                  <a:tcPr marL="10020" marR="10020" marT="10020" marB="0" anchor="ctr">
+                  <a:tcPr marL="10082" marR="10082" marT="10082" marB="0" anchor="ctr">
                     <a:lnL w="6350" cap="flat" cmpd="sng" algn="ctr">
                       <a:solidFill>
                         <a:srgbClr val="000000"/>
@@ -9857,7 +10849,7 @@
                       </a:r>
                     </a:p>
                   </a:txBody>
-                  <a:tcPr marL="10020" marR="10020" marT="10020" marB="0" anchor="ctr">
+                  <a:tcPr marL="10082" marR="10082" marT="10082" marB="0" anchor="ctr">
                     <a:lnL w="6350" cap="flat" cmpd="sng" algn="ctr">
                       <a:solidFill>
                         <a:srgbClr val="000000"/>
@@ -9901,7 +10893,7 @@
                       </a:r>
                     </a:p>
                   </a:txBody>
-                  <a:tcPr marL="10020" marR="10020" marT="10020" marB="0" anchor="ctr">
+                  <a:tcPr marL="10082" marR="10082" marT="10082" marB="0" anchor="ctr">
                     <a:lnL w="6350" cap="flat" cmpd="sng" algn="ctr">
                       <a:solidFill>
                         <a:srgbClr val="000000"/>
@@ -9929,7 +10921,7 @@
                   </a:tcPr>
                 </a:tc>
               </a:tr>
-              <a:tr h="210406">
+              <a:tr h="211699">
                 <a:tc>
                   <a:txBody>
                     <a:bodyPr/>
@@ -9947,7 +10939,7 @@
                       </a:r>
                     </a:p>
                   </a:txBody>
-                  <a:tcPr marL="10020" marR="90173" marT="10020" marB="0" anchor="b">
+                  <a:tcPr marL="10082" marR="90728" marT="10082" marB="0" anchor="b">
                     <a:lnL>
                       <a:noFill/>
                     </a:lnL>
@@ -9991,7 +10983,7 @@
                       </a:r>
                     </a:p>
                   </a:txBody>
-                  <a:tcPr marL="10020" marR="10020" marT="10020" marB="0" anchor="ctr">
+                  <a:tcPr marL="10082" marR="10082" marT="10082" marB="0" anchor="ctr">
                     <a:lnL w="12700" cap="flat" cmpd="sng" algn="ctr">
                       <a:solidFill>
                         <a:srgbClr val="000000"/>
@@ -10041,7 +11033,7 @@
                       </a:r>
                     </a:p>
                   </a:txBody>
-                  <a:tcPr marL="10020" marR="10020" marT="10020" marB="0" anchor="ctr">
+                  <a:tcPr marL="10082" marR="10082" marT="10082" marB="0" anchor="ctr">
                     <a:lnL w="6350" cap="flat" cmpd="sng" algn="ctr">
                       <a:solidFill>
                         <a:srgbClr val="000000"/>
@@ -10091,7 +11083,7 @@
                       </a:r>
                     </a:p>
                   </a:txBody>
-                  <a:tcPr marL="10020" marR="10020" marT="10020" marB="0" anchor="ctr">
+                  <a:tcPr marL="10082" marR="10082" marT="10082" marB="0" anchor="ctr">
                     <a:lnL w="6350" cap="flat" cmpd="sng" algn="ctr">
                       <a:solidFill>
                         <a:srgbClr val="000000"/>
@@ -10141,7 +11133,7 @@
                       </a:r>
                     </a:p>
                   </a:txBody>
-                  <a:tcPr marL="10020" marR="10020" marT="10020" marB="0" anchor="ctr">
+                  <a:tcPr marL="10082" marR="10082" marT="10082" marB="0" anchor="ctr">
                     <a:lnL w="6350" cap="flat" cmpd="sng" algn="ctr">
                       <a:solidFill>
                         <a:srgbClr val="000000"/>
@@ -10194,7 +11186,7 @@
                       </a:r>
                     </a:p>
                   </a:txBody>
-                  <a:tcPr marL="10020" marR="10020" marT="10020" marB="0" anchor="ctr">
+                  <a:tcPr marL="10082" marR="10082" marT="10082" marB="0" anchor="ctr">
                     <a:lnL w="6350" cap="flat" cmpd="sng" algn="ctr">
                       <a:solidFill>
                         <a:srgbClr val="000000"/>
@@ -10247,7 +11239,7 @@
                       </a:r>
                     </a:p>
                   </a:txBody>
-                  <a:tcPr marL="10020" marR="10020" marT="10020" marB="0" anchor="ctr">
+                  <a:tcPr marL="10082" marR="10082" marT="10082" marB="0" anchor="ctr">
                     <a:lnL w="6350" cap="flat" cmpd="sng" algn="ctr">
                       <a:solidFill>
                         <a:srgbClr val="000000"/>
@@ -10300,7 +11292,7 @@
                       </a:r>
                     </a:p>
                   </a:txBody>
-                  <a:tcPr marL="10020" marR="10020" marT="10020" marB="0" anchor="ctr">
+                  <a:tcPr marL="10082" marR="10082" marT="10082" marB="0" anchor="ctr">
                     <a:lnL w="6350" cap="flat" cmpd="sng" algn="ctr">
                       <a:solidFill>
                         <a:srgbClr val="000000"/>
@@ -10353,7 +11345,7 @@
                       </a:r>
                     </a:p>
                   </a:txBody>
-                  <a:tcPr marL="10020" marR="10020" marT="10020" marB="0" anchor="ctr">
+                  <a:tcPr marL="10082" marR="10082" marT="10082" marB="0" anchor="ctr">
                     <a:lnL w="6350" cap="flat" cmpd="sng" algn="ctr">
                       <a:solidFill>
                         <a:srgbClr val="000000"/>
@@ -10406,7 +11398,7 @@
                       </a:r>
                     </a:p>
                   </a:txBody>
-                  <a:tcPr marL="10020" marR="10020" marT="10020" marB="0" anchor="ctr">
+                  <a:tcPr marL="10082" marR="10082" marT="10082" marB="0" anchor="ctr">
                     <a:lnL w="6350" cap="flat" cmpd="sng" algn="ctr">
                       <a:solidFill>
                         <a:srgbClr val="000000"/>
@@ -10459,7 +11451,7 @@
                       </a:r>
                     </a:p>
                   </a:txBody>
-                  <a:tcPr marL="10020" marR="10020" marT="10020" marB="0" anchor="ctr">
+                  <a:tcPr marL="10082" marR="10082" marT="10082" marB="0" anchor="ctr">
                     <a:lnL w="6350" cap="flat" cmpd="sng" algn="ctr">
                       <a:solidFill>
                         <a:srgbClr val="000000"/>
@@ -10512,7 +11504,7 @@
                       </a:r>
                     </a:p>
                   </a:txBody>
-                  <a:tcPr marL="10020" marR="10020" marT="10020" marB="0" anchor="ctr">
+                  <a:tcPr marL="10082" marR="10082" marT="10082" marB="0" anchor="ctr">
                     <a:lnL w="6350" cap="flat" cmpd="sng" algn="ctr">
                       <a:solidFill>
                         <a:srgbClr val="000000"/>
@@ -10565,7 +11557,7 @@
                       </a:r>
                     </a:p>
                   </a:txBody>
-                  <a:tcPr marL="10020" marR="10020" marT="10020" marB="0" anchor="ctr">
+                  <a:tcPr marL="10082" marR="10082" marT="10082" marB="0" anchor="ctr">
                     <a:lnL w="6350" cap="flat" cmpd="sng" algn="ctr">
                       <a:solidFill>
                         <a:srgbClr val="000000"/>
@@ -10618,7 +11610,7 @@
                       </a:r>
                     </a:p>
                   </a:txBody>
-                  <a:tcPr marL="10020" marR="10020" marT="10020" marB="0" anchor="ctr">
+                  <a:tcPr marL="10082" marR="10082" marT="10082" marB="0" anchor="ctr">
                     <a:lnL w="6350" cap="flat" cmpd="sng" algn="ctr">
                       <a:solidFill>
                         <a:srgbClr val="000000"/>
@@ -10671,7 +11663,7 @@
                       </a:r>
                     </a:p>
                   </a:txBody>
-                  <a:tcPr marL="10020" marR="10020" marT="10020" marB="0" anchor="ctr">
+                  <a:tcPr marL="10082" marR="10082" marT="10082" marB="0" anchor="ctr">
                     <a:lnL w="6350" cap="flat" cmpd="sng" algn="ctr">
                       <a:solidFill>
                         <a:srgbClr val="000000"/>
@@ -10724,7 +11716,7 @@
                       </a:r>
                     </a:p>
                   </a:txBody>
-                  <a:tcPr marL="10020" marR="10020" marT="10020" marB="0" anchor="ctr">
+                  <a:tcPr marL="10082" marR="10082" marT="10082" marB="0" anchor="ctr">
                     <a:lnL w="6350" cap="flat" cmpd="sng" algn="ctr">
                       <a:solidFill>
                         <a:srgbClr val="000000"/>
@@ -10777,7 +11769,7 @@
                       </a:r>
                     </a:p>
                   </a:txBody>
-                  <a:tcPr marL="10020" marR="10020" marT="10020" marB="0" anchor="ctr">
+                  <a:tcPr marL="10082" marR="10082" marT="10082" marB="0" anchor="ctr">
                     <a:lnL w="6350" cap="flat" cmpd="sng" algn="ctr">
                       <a:solidFill>
                         <a:srgbClr val="000000"/>
@@ -10830,7 +11822,7 @@
                       </a:r>
                     </a:p>
                   </a:txBody>
-                  <a:tcPr marL="10020" marR="10020" marT="10020" marB="0" anchor="ctr">
+                  <a:tcPr marL="10082" marR="10082" marT="10082" marB="0" anchor="ctr">
                     <a:lnL w="6350" cap="flat" cmpd="sng" algn="ctr">
                       <a:solidFill>
                         <a:srgbClr val="000000"/>
@@ -10883,7 +11875,7 @@
                       </a:r>
                     </a:p>
                   </a:txBody>
-                  <a:tcPr marL="10020" marR="10020" marT="10020" marB="0" anchor="ctr">
+                  <a:tcPr marL="10082" marR="10082" marT="10082" marB="0" anchor="ctr">
                     <a:lnL w="6350" cap="flat" cmpd="sng" algn="ctr">
                       <a:solidFill>
                         <a:srgbClr val="000000"/>
@@ -10936,7 +11928,7 @@
                       </a:r>
                     </a:p>
                   </a:txBody>
-                  <a:tcPr marL="10020" marR="10020" marT="10020" marB="0" anchor="ctr">
+                  <a:tcPr marL="10082" marR="10082" marT="10082" marB="0" anchor="ctr">
                     <a:lnL w="6350" cap="flat" cmpd="sng" algn="ctr">
                       <a:solidFill>
                         <a:srgbClr val="000000"/>
@@ -10989,7 +11981,7 @@
                       </a:r>
                     </a:p>
                   </a:txBody>
-                  <a:tcPr marL="10020" marR="10020" marT="10020" marB="0" anchor="ctr">
+                  <a:tcPr marL="10082" marR="10082" marT="10082" marB="0" anchor="ctr">
                     <a:lnL w="6350" cap="flat" cmpd="sng" algn="ctr">
                       <a:solidFill>
                         <a:srgbClr val="000000"/>
@@ -11042,7 +12034,7 @@
                       </a:r>
                     </a:p>
                   </a:txBody>
-                  <a:tcPr marL="10020" marR="10020" marT="10020" marB="0" anchor="ctr">
+                  <a:tcPr marL="10082" marR="10082" marT="10082" marB="0" anchor="ctr">
                     <a:lnL w="6350" cap="flat" cmpd="sng" algn="ctr">
                       <a:solidFill>
                         <a:srgbClr val="000000"/>
@@ -11079,7 +12071,7 @@
                   </a:tcPr>
                 </a:tc>
               </a:tr>
-              <a:tr h="941815">
+              <a:tr h="947606">
                 <a:tc>
                   <a:txBody>
                     <a:bodyPr/>
@@ -11094,7 +12086,7 @@
                       </a:endParaRPr>
                     </a:p>
                   </a:txBody>
-                  <a:tcPr marL="10020" marR="90173" marT="10020" marB="0" anchor="b">
+                  <a:tcPr marL="10082" marR="90728" marT="10082" marB="0" anchor="b">
                     <a:lnL>
                       <a:noFill/>
                     </a:lnL>
@@ -11132,7 +12124,7 @@
                       </a:r>
                     </a:p>
                   </a:txBody>
-                  <a:tcPr marL="10020" marR="10020" marT="10020" marB="0" vert="vert270" anchor="ctr">
+                  <a:tcPr marL="10082" marR="10082" marT="10082" marB="0" vert="vert270" anchor="ctr">
                     <a:lnL>
                       <a:noFill/>
                     </a:lnL>
@@ -11167,7 +12159,7 @@
                       </a:endParaRPr>
                     </a:p>
                   </a:txBody>
-                  <a:tcPr marL="10020" marR="10020" marT="10020" marB="0" anchor="ctr">
+                  <a:tcPr marL="10082" marR="10082" marT="10082" marB="0" anchor="ctr">
                     <a:lnL>
                       <a:noFill/>
                     </a:lnL>
@@ -11202,7 +12194,7 @@
                       </a:endParaRPr>
                     </a:p>
                   </a:txBody>
-                  <a:tcPr marL="10020" marR="10020" marT="10020" marB="0" anchor="ctr">
+                  <a:tcPr marL="10082" marR="10082" marT="10082" marB="0" anchor="ctr">
                     <a:lnL>
                       <a:noFill/>
                     </a:lnL>
@@ -11237,7 +12229,7 @@
                       </a:endParaRPr>
                     </a:p>
                   </a:txBody>
-                  <a:tcPr marL="10020" marR="10020" marT="10020" marB="0" anchor="ctr">
+                  <a:tcPr marL="10082" marR="10082" marT="10082" marB="0" anchor="ctr">
                     <a:lnL>
                       <a:noFill/>
                     </a:lnL>
@@ -11272,7 +12264,7 @@
                       </a:endParaRPr>
                     </a:p>
                   </a:txBody>
-                  <a:tcPr marL="10020" marR="10020" marT="10020" marB="0" anchor="ctr">
+                  <a:tcPr marL="10082" marR="10082" marT="10082" marB="0" anchor="ctr">
                     <a:lnL>
                       <a:noFill/>
                     </a:lnL>
@@ -11307,7 +12299,7 @@
                       </a:endParaRPr>
                     </a:p>
                   </a:txBody>
-                  <a:tcPr marL="10020" marR="10020" marT="10020" marB="0" anchor="ctr">
+                  <a:tcPr marL="10082" marR="10082" marT="10082" marB="0" anchor="ctr">
                     <a:lnL>
                       <a:noFill/>
                     </a:lnL>
@@ -11342,7 +12334,7 @@
                       </a:endParaRPr>
                     </a:p>
                   </a:txBody>
-                  <a:tcPr marL="10020" marR="10020" marT="10020" marB="0" anchor="ctr">
+                  <a:tcPr marL="10082" marR="10082" marT="10082" marB="0" anchor="ctr">
                     <a:lnL>
                       <a:noFill/>
                     </a:lnL>
@@ -11377,7 +12369,7 @@
                       </a:endParaRPr>
                     </a:p>
                   </a:txBody>
-                  <a:tcPr marL="10020" marR="10020" marT="10020" marB="0" anchor="ctr">
+                  <a:tcPr marL="10082" marR="10082" marT="10082" marB="0" anchor="ctr">
                     <a:lnL>
                       <a:noFill/>
                     </a:lnL>
@@ -11412,7 +12404,7 @@
                       </a:endParaRPr>
                     </a:p>
                   </a:txBody>
-                  <a:tcPr marL="10020" marR="10020" marT="10020" marB="0" anchor="ctr">
+                  <a:tcPr marL="10082" marR="10082" marT="10082" marB="0" anchor="ctr">
                     <a:lnL>
                       <a:noFill/>
                     </a:lnL>
@@ -11447,7 +12439,42 @@
                       </a:endParaRPr>
                     </a:p>
                   </a:txBody>
-                  <a:tcPr marL="10020" marR="10020" marT="10020" marB="0" anchor="ctr">
+                  <a:tcPr marL="10082" marR="10082" marT="10082" marB="0" anchor="ctr">
+                    <a:lnL>
+                      <a:noFill/>
+                    </a:lnL>
+                    <a:lnR>
+                      <a:noFill/>
+                    </a:lnR>
+                    <a:lnT w="12700" cap="flat" cmpd="sng" algn="ctr">
+                      <a:solidFill>
+                        <a:srgbClr val="000000"/>
+                      </a:solidFill>
+                      <a:prstDash val="solid"/>
+                      <a:round/>
+                      <a:headEnd type="none" w="med" len="med"/>
+                      <a:tailEnd type="none" w="med" len="med"/>
+                    </a:lnT>
+                    <a:lnB>
+                      <a:noFill/>
+                    </a:lnB>
+                  </a:tcPr>
+                </a:tc>
+                <a:tc>
+                  <a:txBody>
+                    <a:bodyPr/>
+                    <a:lstStyle/>
+                    <a:p>
+                      <a:pPr algn="ctr" fontAlgn="ctr"/>
+                      <a:endParaRPr lang="en-US" sz="1200" b="0" i="0" u="none" strike="noStrike" dirty="0">
+                        <a:solidFill>
+                          <a:srgbClr val="000000"/>
+                        </a:solidFill>
+                        <a:latin typeface="Calibri"/>
+                      </a:endParaRPr>
+                    </a:p>
+                  </a:txBody>
+                  <a:tcPr marL="10082" marR="10082" marT="10082" marB="0" anchor="ctr">
                     <a:lnL>
                       <a:noFill/>
                     </a:lnL>
@@ -11482,7 +12509,7 @@
                       </a:endParaRPr>
                     </a:p>
                   </a:txBody>
-                  <a:tcPr marL="10020" marR="10020" marT="10020" marB="0" anchor="ctr">
+                  <a:tcPr marL="10082" marR="10082" marT="10082" marB="0" anchor="ctr">
                     <a:lnL>
                       <a:noFill/>
                     </a:lnL>
@@ -11517,7 +12544,7 @@
                       </a:endParaRPr>
                     </a:p>
                   </a:txBody>
-                  <a:tcPr marL="10020" marR="10020" marT="10020" marB="0" anchor="ctr">
+                  <a:tcPr marL="10082" marR="10082" marT="10082" marB="0" anchor="ctr">
                     <a:lnL>
                       <a:noFill/>
                     </a:lnL>
@@ -11552,7 +12579,7 @@
                       </a:endParaRPr>
                     </a:p>
                   </a:txBody>
-                  <a:tcPr marL="10020" marR="10020" marT="10020" marB="0" anchor="ctr">
+                  <a:tcPr marL="10082" marR="10082" marT="10082" marB="0" anchor="ctr">
                     <a:lnL>
                       <a:noFill/>
                     </a:lnL>
@@ -11587,7 +12614,7 @@
                       </a:endParaRPr>
                     </a:p>
                   </a:txBody>
-                  <a:tcPr marL="10020" marR="10020" marT="10020" marB="0" anchor="ctr">
+                  <a:tcPr marL="10082" marR="10082" marT="10082" marB="0" anchor="ctr">
                     <a:lnL>
                       <a:noFill/>
                     </a:lnL>
@@ -11622,7 +12649,7 @@
                       </a:endParaRPr>
                     </a:p>
                   </a:txBody>
-                  <a:tcPr marL="10020" marR="10020" marT="10020" marB="0" anchor="ctr">
+                  <a:tcPr marL="10082" marR="10082" marT="10082" marB="0" anchor="ctr">
                     <a:lnL>
                       <a:noFill/>
                     </a:lnL>
@@ -11657,7 +12684,7 @@
                       </a:endParaRPr>
                     </a:p>
                   </a:txBody>
-                  <a:tcPr marL="10020" marR="10020" marT="10020" marB="0" anchor="ctr">
+                  <a:tcPr marL="10082" marR="10082" marT="10082" marB="0" anchor="ctr">
                     <a:lnL>
                       <a:noFill/>
                     </a:lnL>
@@ -11692,7 +12719,7 @@
                       </a:endParaRPr>
                     </a:p>
                   </a:txBody>
-                  <a:tcPr marL="10020" marR="10020" marT="10020" marB="0" anchor="ctr">
+                  <a:tcPr marL="10082" marR="10082" marT="10082" marB="0" anchor="ctr">
                     <a:lnL>
                       <a:noFill/>
                     </a:lnL>
@@ -11727,7 +12754,7 @@
                       </a:endParaRPr>
                     </a:p>
                   </a:txBody>
-                  <a:tcPr marL="10020" marR="10020" marT="10020" marB="0" anchor="ctr">
+                  <a:tcPr marL="10082" marR="10082" marT="10082" marB="0" anchor="ctr">
                     <a:lnL>
                       <a:noFill/>
                     </a:lnL>
@@ -11762,7 +12789,7 @@
                       </a:endParaRPr>
                     </a:p>
                   </a:txBody>
-                  <a:tcPr marL="10020" marR="10020" marT="10020" marB="0" anchor="ctr">
+                  <a:tcPr marL="10082" marR="10082" marT="10082" marB="0" anchor="ctr">
                     <a:lnL>
                       <a:noFill/>
                     </a:lnL>
@@ -11789,41 +12816,6 @@
                     <a:lstStyle/>
                     <a:p>
                       <a:pPr algn="ctr" fontAlgn="ctr"/>
-                      <a:endParaRPr lang="en-US" sz="1200" b="0" i="0" u="none" strike="noStrike">
-                        <a:solidFill>
-                          <a:srgbClr val="000000"/>
-                        </a:solidFill>
-                        <a:latin typeface="Calibri"/>
-                      </a:endParaRPr>
-                    </a:p>
-                  </a:txBody>
-                  <a:tcPr marL="10020" marR="10020" marT="10020" marB="0" anchor="ctr">
-                    <a:lnL>
-                      <a:noFill/>
-                    </a:lnL>
-                    <a:lnR>
-                      <a:noFill/>
-                    </a:lnR>
-                    <a:lnT w="12700" cap="flat" cmpd="sng" algn="ctr">
-                      <a:solidFill>
-                        <a:srgbClr val="000000"/>
-                      </a:solidFill>
-                      <a:prstDash val="solid"/>
-                      <a:round/>
-                      <a:headEnd type="none" w="med" len="med"/>
-                      <a:tailEnd type="none" w="med" len="med"/>
-                    </a:lnT>
-                    <a:lnB>
-                      <a:noFill/>
-                    </a:lnB>
-                  </a:tcPr>
-                </a:tc>
-                <a:tc>
-                  <a:txBody>
-                    <a:bodyPr/>
-                    <a:lstStyle/>
-                    <a:p>
-                      <a:pPr algn="ctr" fontAlgn="ctr"/>
                       <a:r>
                         <a:rPr lang="en-US" sz="1200" b="0" i="0" u="none" strike="noStrike" dirty="0">
                           <a:solidFill>
@@ -11835,7 +12827,7 @@
                       </a:r>
                     </a:p>
                   </a:txBody>
-                  <a:tcPr marL="10020" marR="10020" marT="10020" marB="0" vert="vert270" anchor="ctr">
+                  <a:tcPr marL="10082" marR="10082" marT="10082" marB="0" vert="vert270" anchor="ctr">
                     <a:lnL>
                       <a:noFill/>
                     </a:lnL>
@@ -12169,7 +13161,9 @@
         </p:nvSpPr>
         <p:spPr/>
         <p:txBody>
-          <a:bodyPr/>
+          <a:bodyPr>
+            <a:normAutofit fontScale="92500"/>
+          </a:bodyPr>
           <a:lstStyle/>
           <a:p>
             <a:pPr>
@@ -12179,8 +13173,9 @@
             </a:pPr>
             <a:r>
               <a:rPr lang="pt-PT" dirty="0" smtClean="0"/>
-              <a:t>How to enhance adaptive systems</a:t>
+              <a:t>Simplify the development of adaptable systems</a:t>
             </a:r>
+            <a:endParaRPr lang="pt-PT" dirty="0" smtClean="0"/>
           </a:p>
           <a:p>
             <a:pPr>
@@ -12281,15 +13276,7 @@
           <a:p>
             <a:r>
               <a:rPr lang="pt-PT" dirty="0" smtClean="0"/>
-              <a:t>State of the Art – Adaptive </a:t>
-            </a:r>
-            <a:r>
-              <a:rPr lang="pt-PT" dirty="0" smtClean="0"/>
-              <a:t>Systems</a:t>
-            </a:r>
-            <a:r>
-              <a:rPr lang="pt-PT" dirty="0" smtClean="0"/>
-              <a:t/>
+              <a:t>State of the Art – Adaptive Systems</a:t>
             </a:r>
             <a:br>
               <a:rPr lang="pt-PT" dirty="0" smtClean="0"/>
@@ -12643,16 +13630,9 @@
             </a:pPr>
             <a:r>
               <a:rPr lang="pt-PT" dirty="0" smtClean="0"/>
-              <a:t>A system can be </a:t>
+              <a:t>Experts focus on the manipulation of domain assets, instead of implemention details</a:t>
             </a:r>
-            <a:r>
-              <a:rPr lang="pt-PT" dirty="0" smtClean="0"/>
-              <a:t>bootstraped </a:t>
-            </a:r>
-            <a:r>
-              <a:rPr lang="pt-PT" dirty="0" smtClean="0"/>
-              <a:t>by a domain expert using a DSL</a:t>
-            </a:r>
+            <a:endParaRPr lang="pt-PT" dirty="0" smtClean="0"/>
           </a:p>
           <a:p>
             <a:pPr>
@@ -12662,11 +13642,7 @@
             </a:pPr>
             <a:r>
               <a:rPr lang="pt-PT" dirty="0" smtClean="0"/>
-              <a:t>Allows for changes to a system’s architecture in </a:t>
-            </a:r>
-            <a:r>
-              <a:rPr lang="pt-PT" dirty="0" smtClean="0"/>
-              <a:t>runtime by the end-users</a:t>
+              <a:t>Allows for changes to a system’s domain model in runtime by the end-users</a:t>
             </a:r>
             <a:endParaRPr lang="pt-PT" dirty="0" smtClean="0"/>
           </a:p>
@@ -12783,7 +13759,7 @@
         </p:nvGrpSpPr>
         <p:grpSpPr>
           <a:xfrm>
-            <a:off x="866385" y="4724400"/>
+            <a:off x="866385" y="5334000"/>
             <a:ext cx="5872155" cy="609600"/>
             <a:chOff x="1752600" y="4495800"/>
             <a:chExt cx="5872155" cy="609600"/>
@@ -12913,7 +13889,7 @@
         </p:nvGrpSpPr>
         <p:grpSpPr>
           <a:xfrm>
-            <a:off x="866385" y="2133600"/>
+            <a:off x="866385" y="3048000"/>
             <a:ext cx="7411231" cy="609600"/>
             <a:chOff x="1752600" y="4495800"/>
             <a:chExt cx="7411231" cy="609600"/>
@@ -13043,7 +14019,7 @@
         </p:nvGrpSpPr>
         <p:grpSpPr>
           <a:xfrm>
-            <a:off x="866385" y="3429000"/>
+            <a:off x="866385" y="4191000"/>
             <a:ext cx="6734571" cy="609600"/>
             <a:chOff x="1752600" y="4495800"/>
             <a:chExt cx="6734571" cy="609600"/>
@@ -13165,6 +14141,136 @@
           </p:txBody>
         </p:sp>
       </p:grpSp>
+      <p:grpSp>
+        <p:nvGrpSpPr>
+          <p:cNvPr id="22" name="Group 21"/>
+          <p:cNvGrpSpPr/>
+          <p:nvPr/>
+        </p:nvGrpSpPr>
+        <p:grpSpPr>
+          <a:xfrm>
+            <a:off x="872066" y="1905000"/>
+            <a:ext cx="6228920" cy="609600"/>
+            <a:chOff x="1752600" y="4495800"/>
+            <a:chExt cx="6228920" cy="609600"/>
+          </a:xfrm>
+        </p:grpSpPr>
+        <p:sp>
+          <p:nvSpPr>
+            <p:cNvPr id="23" name="Rounded Rectangle 22"/>
+            <p:cNvSpPr/>
+            <p:nvPr/>
+          </p:nvSpPr>
+          <p:spPr>
+            <a:xfrm>
+              <a:off x="1752600" y="4495800"/>
+              <a:ext cx="2133600" cy="609600"/>
+            </a:xfrm>
+            <a:prstGeom prst="roundRect">
+              <a:avLst/>
+            </a:prstGeom>
+            <a:solidFill>
+              <a:schemeClr val="accent1"/>
+            </a:solidFill>
+          </p:spPr>
+          <p:style>
+            <a:lnRef idx="2">
+              <a:schemeClr val="accent1">
+                <a:shade val="50000"/>
+              </a:schemeClr>
+            </a:lnRef>
+            <a:fillRef idx="1">
+              <a:schemeClr val="accent1"/>
+            </a:fillRef>
+            <a:effectRef idx="0">
+              <a:schemeClr val="accent1"/>
+            </a:effectRef>
+            <a:fontRef idx="minor">
+              <a:schemeClr val="lt1"/>
+            </a:fontRef>
+          </p:style>
+          <p:txBody>
+            <a:bodyPr rtlCol="0" anchor="ctr"/>
+            <a:lstStyle/>
+            <a:p>
+              <a:pPr algn="ctr"/>
+              <a:r>
+                <a:rPr lang="pt-PT" sz="2400" b="1" dirty="0" smtClean="0"/>
+                <a:t>M3</a:t>
+              </a:r>
+              <a:endParaRPr lang="en-US" sz="2400" b="1" dirty="0"/>
+            </a:p>
+          </p:txBody>
+        </p:sp>
+        <p:cxnSp>
+          <p:nvCxnSpPr>
+            <p:cNvPr id="24" name="Straight Arrow Connector 23"/>
+            <p:cNvCxnSpPr/>
+            <p:nvPr/>
+          </p:nvCxnSpPr>
+          <p:spPr>
+            <a:xfrm>
+              <a:off x="4191000" y="4799806"/>
+              <a:ext cx="914400" cy="1588"/>
+            </a:xfrm>
+            <a:prstGeom prst="straightConnector1">
+              <a:avLst/>
+            </a:prstGeom>
+            <a:ln w="76200">
+              <a:solidFill>
+                <a:schemeClr val="bg1">
+                  <a:lumMod val="75000"/>
+                </a:schemeClr>
+              </a:solidFill>
+              <a:tailEnd type="arrow"/>
+            </a:ln>
+          </p:spPr>
+          <p:style>
+            <a:lnRef idx="1">
+              <a:schemeClr val="accent1"/>
+            </a:lnRef>
+            <a:fillRef idx="0">
+              <a:schemeClr val="accent1"/>
+            </a:fillRef>
+            <a:effectRef idx="0">
+              <a:schemeClr val="accent1"/>
+            </a:effectRef>
+            <a:fontRef idx="minor">
+              <a:schemeClr val="tx1"/>
+            </a:fontRef>
+          </p:style>
+        </p:cxnSp>
+        <p:sp>
+          <p:nvSpPr>
+            <p:cNvPr id="25" name="TextBox 24"/>
+            <p:cNvSpPr txBox="1"/>
+            <p:nvPr/>
+          </p:nvSpPr>
+          <p:spPr>
+            <a:xfrm>
+              <a:off x="5334000" y="4508213"/>
+              <a:ext cx="2647520" cy="584775"/>
+            </a:xfrm>
+            <a:prstGeom prst="rect">
+              <a:avLst/>
+            </a:prstGeom>
+            <a:noFill/>
+          </p:spPr>
+          <p:txBody>
+            <a:bodyPr wrap="none" rtlCol="0">
+              <a:spAutoFit/>
+            </a:bodyPr>
+            <a:lstStyle/>
+            <a:p>
+              <a:r>
+                <a:rPr lang="pt-PT" sz="3200" b="1" dirty="0" smtClean="0"/>
+                <a:t>Self-compliant</a:t>
+              </a:r>
+              <a:endParaRPr lang="en-US" sz="3200" b="1" dirty="0"/>
+            </a:p>
+          </p:txBody>
+        </p:sp>
+      </p:grpSp>
     </p:spTree>
   </p:cSld>
   <p:clrMapOvr>
@@ -13233,7 +14339,7 @@
         <p:spPr/>
         <p:txBody>
           <a:bodyPr>
-            <a:normAutofit/>
+            <a:normAutofit fontScale="92500" lnSpcReduction="10000"/>
           </a:bodyPr>
           <a:lstStyle/>
           <a:p>
@@ -13244,8 +14350,9 @@
             </a:pPr>
             <a:r>
               <a:rPr lang="pt-PT" dirty="0" smtClean="0"/>
-              <a:t>AOM framework</a:t>
+              <a:t>Reference framework  for the development of AOM systems</a:t>
             </a:r>
+            <a:endParaRPr lang="pt-PT" dirty="0" smtClean="0"/>
           </a:p>
           <a:p>
             <a:pPr>
@@ -13371,7 +14478,7 @@
         <p:spPr/>
         <p:txBody>
           <a:bodyPr>
-            <a:normAutofit/>
+            <a:normAutofit lnSpcReduction="10000"/>
           </a:bodyPr>
           <a:lstStyle/>
           <a:p>
@@ -13382,8 +14489,9 @@
             </a:pPr>
             <a:r>
               <a:rPr lang="pt-PT" dirty="0" smtClean="0"/>
-              <a:t>Bring the Oghma framework to a web environment</a:t>
+              <a:t>Establish a reference framework using the concepts of web 2.0 for AOM systems</a:t>
             </a:r>
+            <a:endParaRPr lang="pt-PT" dirty="0" smtClean="0"/>
           </a:p>
           <a:p>
             <a:pPr lvl="1">
@@ -13393,8 +14501,9 @@
             </a:pPr>
             <a:r>
               <a:rPr lang="pt-PT" dirty="0" smtClean="0"/>
-              <a:t>Develop an interface module for web applications with the framework as engine</a:t>
+              <a:t>Understand GUI patterns that allow end-users to manipulate domain models</a:t>
             </a:r>
+            <a:endParaRPr lang="pt-PT" dirty="0" smtClean="0"/>
           </a:p>
           <a:p>
             <a:pPr>
@@ -13404,8 +14513,9 @@
             </a:pPr>
             <a:r>
               <a:rPr lang="pt-PT" dirty="0" smtClean="0"/>
-              <a:t>Create a proof-of-concept application</a:t>
+              <a:t>Validate through an industrial use-case application</a:t>
             </a:r>
+            <a:endParaRPr lang="pt-PT" dirty="0" smtClean="0"/>
           </a:p>
         </p:txBody>
       </p:sp>

--- a/presentations/pdis2.pptx
+++ b/presentations/pdis2.pptx
@@ -15,8 +15,8 @@
     <p:sldId id="269" r:id="rId6"/>
     <p:sldId id="261" r:id="rId7"/>
     <p:sldId id="268" r:id="rId8"/>
-    <p:sldId id="262" r:id="rId9"/>
-    <p:sldId id="271" r:id="rId10"/>
+    <p:sldId id="271" r:id="rId9"/>
+    <p:sldId id="273" r:id="rId10"/>
     <p:sldId id="263" r:id="rId11"/>
     <p:sldId id="270" r:id="rId12"/>
     <p:sldId id="265" r:id="rId13"/>
@@ -204,7 +204,7 @@
             <a:fld id="{CFCF6AD8-7A09-4100-B9D8-1AE70CE17931}" type="datetimeFigureOut">
               <a:rPr lang="en-US" smtClean="0"/>
               <a:pPr/>
-              <a:t>7/13/2010</a:t>
+              <a:t>7/14/2010</a:t>
             </a:fld>
             <a:endParaRPr lang="en-US"/>
           </a:p>
@@ -835,6 +835,105 @@
             <a:fld id="{FFF7D76E-A8BA-4CEC-B928-C6E76C14B19A}" type="slidenum">
               <a:rPr lang="en-US" smtClean="0"/>
               <a:pPr/>
+              <a:t>8</a:t>
+            </a:fld>
+            <a:endParaRPr lang="en-US"/>
+          </a:p>
+        </p:txBody>
+      </p:sp>
+    </p:spTree>
+  </p:cSld>
+  <p:clrMapOvr>
+    <a:masterClrMapping/>
+  </p:clrMapOvr>
+</p:notes>
+</file>
+
+<file path=ppt/notesSlides/notesSlide5.xml><?xml version="1.0" encoding="utf-8"?>
+<p:notes xmlns:a="http://schemas.openxmlformats.org/drawingml/2006/main" xmlns:r="http://schemas.openxmlformats.org/officeDocument/2006/relationships" xmlns:p="http://schemas.openxmlformats.org/presentationml/2006/main">
+  <p:cSld>
+    <p:spTree>
+      <p:nvGrpSpPr>
+        <p:cNvPr id="1" name=""/>
+        <p:cNvGrpSpPr/>
+        <p:nvPr/>
+      </p:nvGrpSpPr>
+      <p:grpSpPr>
+        <a:xfrm>
+          <a:off x="0" y="0"/>
+          <a:ext cx="0" cy="0"/>
+          <a:chOff x="0" y="0"/>
+          <a:chExt cx="0" cy="0"/>
+        </a:xfrm>
+      </p:grpSpPr>
+      <p:sp>
+        <p:nvSpPr>
+          <p:cNvPr id="2" name="Slide Image Placeholder 1"/>
+          <p:cNvSpPr>
+            <a:spLocks noGrp="1" noRot="1" noChangeAspect="1"/>
+          </p:cNvSpPr>
+          <p:nvPr>
+            <p:ph type="sldImg"/>
+          </p:nvPr>
+        </p:nvSpPr>
+        <p:spPr/>
+      </p:sp>
+      <p:sp>
+        <p:nvSpPr>
+          <p:cNvPr id="3" name="Notes Placeholder 2"/>
+          <p:cNvSpPr>
+            <a:spLocks noGrp="1"/>
+          </p:cNvSpPr>
+          <p:nvPr>
+            <p:ph type="body" idx="1"/>
+          </p:nvPr>
+        </p:nvSpPr>
+        <p:spPr/>
+        <p:txBody>
+          <a:bodyPr>
+            <a:normAutofit/>
+          </a:bodyPr>
+          <a:lstStyle/>
+          <a:p>
+            <a:r>
+              <a:rPr lang="pt-PT" dirty="0" smtClean="0"/>
+              <a:t>Lesser</a:t>
+            </a:r>
+            <a:r>
+              <a:rPr lang="pt-PT" baseline="0" dirty="0" smtClean="0"/>
+              <a:t> objectives</a:t>
+            </a:r>
+          </a:p>
+          <a:p>
+            <a:endParaRPr lang="pt-PT" baseline="0" dirty="0" smtClean="0"/>
+          </a:p>
+          <a:p>
+            <a:r>
+              <a:rPr lang="pt-PT" baseline="0" dirty="0" smtClean="0"/>
+              <a:t>Study AOM architectures and inherent patterns</a:t>
+            </a:r>
+            <a:endParaRPr lang="en-US" dirty="0"/>
+          </a:p>
+        </p:txBody>
+      </p:sp>
+      <p:sp>
+        <p:nvSpPr>
+          <p:cNvPr id="4" name="Slide Number Placeholder 3"/>
+          <p:cNvSpPr>
+            <a:spLocks noGrp="1"/>
+          </p:cNvSpPr>
+          <p:nvPr>
+            <p:ph type="sldNum" sz="quarter" idx="10"/>
+          </p:nvPr>
+        </p:nvSpPr>
+        <p:spPr/>
+        <p:txBody>
+          <a:bodyPr/>
+          <a:lstStyle/>
+          <a:p>
+            <a:fld id="{FFF7D76E-A8BA-4CEC-B928-C6E76C14B19A}" type="slidenum">
+              <a:rPr lang="en-US" smtClean="0"/>
+              <a:pPr/>
               <a:t>9</a:t>
             </a:fld>
             <a:endParaRPr lang="en-US"/>
@@ -1031,7 +1130,7 @@
             <a:fld id="{D152DF54-25FE-4726-A2C4-A49E5133F562}" type="datetime1">
               <a:rPr lang="en-US" smtClean="0"/>
               <a:pPr/>
-              <a:t>7/13/2010</a:t>
+              <a:t>7/14/2010</a:t>
             </a:fld>
             <a:endParaRPr lang="en-US"/>
           </a:p>
@@ -1198,7 +1297,7 @@
             <a:fld id="{FBC3CF1C-1A02-4F3A-B54C-A99E00D892E7}" type="datetime1">
               <a:rPr lang="en-US" smtClean="0"/>
               <a:pPr/>
-              <a:t>7/13/2010</a:t>
+              <a:t>7/14/2010</a:t>
             </a:fld>
             <a:endParaRPr lang="en-US"/>
           </a:p>
@@ -1375,7 +1474,7 @@
             <a:fld id="{E6DC7923-D324-4BC8-9BF7-BAFC14B0206A}" type="datetime1">
               <a:rPr lang="en-US" smtClean="0"/>
               <a:pPr/>
-              <a:t>7/13/2010</a:t>
+              <a:t>7/14/2010</a:t>
             </a:fld>
             <a:endParaRPr lang="en-US"/>
           </a:p>
@@ -1583,7 +1682,7 @@
             <a:fld id="{44A65452-C42D-4071-9AFC-FE25FA090C9C}" type="datetime1">
               <a:rPr lang="en-US" smtClean="0"/>
               <a:pPr/>
-              <a:t>7/13/2010</a:t>
+              <a:t>7/14/2010</a:t>
             </a:fld>
             <a:endParaRPr lang="en-US"/>
           </a:p>
@@ -1836,7 +1935,7 @@
             <a:fld id="{0F743A9E-C184-481E-87BD-0F0D56047404}" type="datetime1">
               <a:rPr lang="en-US" smtClean="0"/>
               <a:pPr/>
-              <a:t>7/13/2010</a:t>
+              <a:t>7/14/2010</a:t>
             </a:fld>
             <a:endParaRPr lang="en-US"/>
           </a:p>
@@ -2121,7 +2220,7 @@
             <a:fld id="{974A8010-2A62-4C06-9569-C5481F98A9B8}" type="datetime1">
               <a:rPr lang="en-US" smtClean="0"/>
               <a:pPr/>
-              <a:t>7/13/2010</a:t>
+              <a:t>7/14/2010</a:t>
             </a:fld>
             <a:endParaRPr lang="en-US"/>
           </a:p>
@@ -2540,7 +2639,7 @@
             <a:fld id="{6382FBE8-0209-4CDC-8BB9-0E743243CA23}" type="datetime1">
               <a:rPr lang="en-US" smtClean="0"/>
               <a:pPr/>
-              <a:t>7/13/2010</a:t>
+              <a:t>7/14/2010</a:t>
             </a:fld>
             <a:endParaRPr lang="en-US"/>
           </a:p>
@@ -2655,7 +2754,7 @@
             <a:fld id="{979EA3E0-2703-4015-99E8-D9C11011A436}" type="datetime1">
               <a:rPr lang="en-US" smtClean="0"/>
               <a:pPr/>
-              <a:t>7/13/2010</a:t>
+              <a:t>7/14/2010</a:t>
             </a:fld>
             <a:endParaRPr lang="en-US"/>
           </a:p>
@@ -2747,7 +2846,7 @@
             <a:fld id="{BDEAB48B-CDE6-44A6-8EE4-B51DA18DCC06}" type="datetime1">
               <a:rPr lang="en-US" smtClean="0"/>
               <a:pPr/>
-              <a:t>7/13/2010</a:t>
+              <a:t>7/14/2010</a:t>
             </a:fld>
             <a:endParaRPr lang="en-US"/>
           </a:p>
@@ -3021,7 +3120,7 @@
             <a:fld id="{A05EB600-233D-4993-9A0C-A734F7C6002E}" type="datetime1">
               <a:rPr lang="en-US" smtClean="0"/>
               <a:pPr/>
-              <a:t>7/13/2010</a:t>
+              <a:t>7/14/2010</a:t>
             </a:fld>
             <a:endParaRPr lang="en-US"/>
           </a:p>
@@ -3271,7 +3370,7 @@
             <a:fld id="{C5A2777C-3BAD-4973-8F82-C580DE89C960}" type="datetime1">
               <a:rPr lang="en-US" smtClean="0"/>
               <a:pPr/>
-              <a:t>7/13/2010</a:t>
+              <a:t>7/14/2010</a:t>
             </a:fld>
             <a:endParaRPr lang="en-US"/>
           </a:p>
@@ -3481,7 +3580,7 @@
             <a:fld id="{F818FC3B-9732-4FFA-B46E-00DD30FA6554}" type="datetime1">
               <a:rPr lang="en-US" smtClean="0"/>
               <a:pPr/>
-              <a:t>7/13/2010</a:t>
+              <a:t>7/14/2010</a:t>
             </a:fld>
             <a:endParaRPr lang="en-US"/>
           </a:p>
@@ -9950,14 +10049,20 @@
                     <a:p>
                       <a:pPr algn="r" fontAlgn="b"/>
                       <a:r>
-                        <a:rPr lang="en-US" sz="1200" b="0" i="0" u="none" strike="noStrike">
-                          <a:solidFill>
-                            <a:srgbClr val="000000"/>
-                          </a:solidFill>
-                          <a:latin typeface="Calibri"/>
-                        </a:rPr>
-                        <a:t>Tests</a:t>
-                      </a:r>
+                        <a:rPr lang="en-US" sz="1200" b="0" i="0" u="none" strike="noStrike" dirty="0" smtClean="0">
+                          <a:solidFill>
+                            <a:srgbClr val="000000"/>
+                          </a:solidFill>
+                          <a:latin typeface="Calibri"/>
+                        </a:rPr>
+                        <a:t>Tests &amp; Validation</a:t>
+                      </a:r>
+                      <a:endParaRPr lang="en-US" sz="1200" b="0" i="0" u="none" strike="noStrike" dirty="0">
+                        <a:solidFill>
+                          <a:srgbClr val="000000"/>
+                        </a:solidFill>
+                        <a:latin typeface="Calibri"/>
+                      </a:endParaRPr>
                     </a:p>
                   </a:txBody>
                   <a:tcPr marL="10082" marR="90728" marT="10082" marB="0" anchor="b">
@@ -13175,7 +13280,6 @@
               <a:rPr lang="pt-PT" dirty="0" smtClean="0"/>
               <a:t>Simplify the development of adaptable systems</a:t>
             </a:r>
-            <a:endParaRPr lang="pt-PT" dirty="0" smtClean="0"/>
           </a:p>
           <a:p>
             <a:pPr>
@@ -13591,7 +13695,7 @@
           <a:p>
             <a:r>
               <a:rPr lang="pt-PT" dirty="0" smtClean="0"/>
-              <a:t>AOM</a:t>
+              <a:t>Adaptive Object-Modelling</a:t>
             </a:r>
             <a:endParaRPr lang="en-US" dirty="0"/>
           </a:p>
@@ -13632,7 +13736,6 @@
               <a:rPr lang="pt-PT" dirty="0" smtClean="0"/>
               <a:t>Experts focus on the manipulation of domain assets, instead of implemention details</a:t>
             </a:r>
-            <a:endParaRPr lang="pt-PT" dirty="0" smtClean="0"/>
           </a:p>
           <a:p>
             <a:pPr>
@@ -13644,7 +13747,6 @@
               <a:rPr lang="pt-PT" dirty="0" smtClean="0"/>
               <a:t>Allows for changes to a system’s domain model in runtime by the end-users</a:t>
             </a:r>
-            <a:endParaRPr lang="pt-PT" dirty="0" smtClean="0"/>
           </a:p>
         </p:txBody>
       </p:sp>
@@ -14350,7 +14452,7 @@
             </a:pPr>
             <a:r>
               <a:rPr lang="pt-PT" dirty="0" smtClean="0"/>
-              <a:t>Reference framework  for the development of AOM systems</a:t>
+              <a:t>Reference framework for the development of AOM systems</a:t>
             </a:r>
             <a:endParaRPr lang="pt-PT" dirty="0" smtClean="0"/>
           </a:p>
@@ -14364,6 +14466,7 @@
               <a:rPr lang="pt-PT" dirty="0" smtClean="0"/>
               <a:t>Developed to answer the problems posed by the aforementioned systems</a:t>
             </a:r>
+            <a:endParaRPr lang="pt-PT" dirty="0" smtClean="0"/>
           </a:p>
           <a:p>
             <a:pPr>
@@ -14373,16 +14476,9 @@
             </a:pPr>
             <a:r>
               <a:rPr lang="pt-PT" dirty="0" smtClean="0"/>
-              <a:t>Allows for the easy creation of highly-customizable, dynamic information systems</a:t>
+              <a:t>Allows for the easy creation of highly customizable, dynamic information systems</a:t>
             </a:r>
-          </a:p>
-          <a:p>
-            <a:pPr>
-              <a:lnSpc>
-                <a:spcPct val="150000"/>
-              </a:lnSpc>
-            </a:pPr>
-            <a:endParaRPr lang="en-US" dirty="0"/>
+            <a:endParaRPr lang="pt-PT" dirty="0" smtClean="0"/>
           </a:p>
         </p:txBody>
       </p:sp>
@@ -14491,7 +14587,6 @@
               <a:rPr lang="pt-PT" dirty="0" smtClean="0"/>
               <a:t>Establish a reference framework using the concepts of web 2.0 for AOM systems</a:t>
             </a:r>
-            <a:endParaRPr lang="pt-PT" dirty="0" smtClean="0"/>
           </a:p>
           <a:p>
             <a:pPr lvl="1">
@@ -14503,7 +14598,6 @@
               <a:rPr lang="pt-PT" dirty="0" smtClean="0"/>
               <a:t>Understand GUI patterns that allow end-users to manipulate domain models</a:t>
             </a:r>
-            <a:endParaRPr lang="pt-PT" dirty="0" smtClean="0"/>
           </a:p>
           <a:p>
             <a:pPr>
@@ -14515,7 +14609,6 @@
               <a:rPr lang="pt-PT" dirty="0" smtClean="0"/>
               <a:t>Validate through an industrial use-case application</a:t>
             </a:r>
-            <a:endParaRPr lang="pt-PT" dirty="0" smtClean="0"/>
           </a:p>
         </p:txBody>
       </p:sp>
